--- a/etcd_slides/Etcd��������20150619.pptx
+++ b/etcd_slides/Etcd��������20150619.pptx
@@ -36,9 +36,18 @@
     <p:sldId id="284" r:id="rId30"/>
     <p:sldId id="273" r:id="rId31"/>
     <p:sldId id="290" r:id="rId32"/>
-    <p:sldId id="274" r:id="rId33"/>
-    <p:sldId id="260" r:id="rId34"/>
-    <p:sldId id="289" r:id="rId35"/>
+    <p:sldId id="293" r:id="rId33"/>
+    <p:sldId id="291" r:id="rId34"/>
+    <p:sldId id="292" r:id="rId35"/>
+    <p:sldId id="274" r:id="rId36"/>
+    <p:sldId id="295" r:id="rId37"/>
+    <p:sldId id="296" r:id="rId38"/>
+    <p:sldId id="297" r:id="rId39"/>
+    <p:sldId id="260" r:id="rId40"/>
+    <p:sldId id="298" r:id="rId41"/>
+    <p:sldId id="299" r:id="rId42"/>
+    <p:sldId id="289" r:id="rId43"/>
+    <p:sldId id="294" r:id="rId44"/>
   </p:sldIdLst>
   <p:sldSz cx="9144000" cy="6858000" type="screen4x3"/>
   <p:notesSz cx="6858000" cy="9144000"/>
@@ -173,9 +182,18 @@
             <p14:sldId id="284"/>
             <p14:sldId id="273"/>
             <p14:sldId id="290"/>
+            <p14:sldId id="293"/>
+            <p14:sldId id="291"/>
+            <p14:sldId id="292"/>
             <p14:sldId id="274"/>
+            <p14:sldId id="295"/>
+            <p14:sldId id="296"/>
+            <p14:sldId id="297"/>
             <p14:sldId id="260"/>
+            <p14:sldId id="298"/>
+            <p14:sldId id="299"/>
             <p14:sldId id="289"/>
+            <p14:sldId id="294"/>
           </p14:sldIdLst>
         </p14:section>
       </p14:sectionLst>
@@ -243,7 +261,7 @@
           <a:p>
             <a:fld id="{CCD760FA-07EE-4BA0-ADB1-F73A6F25DC1C}" type="datetimeFigureOut">
               <a:rPr lang="zh-CN" altLang="en-US" smtClean="0"/>
-              <a:t>2015/6/30</a:t>
+              <a:t>2015/7/13</a:t>
             </a:fld>
             <a:endParaRPr lang="zh-CN" altLang="en-US"/>
           </a:p>
@@ -559,7 +577,7 @@
           <a:p>
             <a:fld id="{CCD760FA-07EE-4BA0-ADB1-F73A6F25DC1C}" type="datetimeFigureOut">
               <a:rPr lang="zh-CN" altLang="en-US" smtClean="0"/>
-              <a:t>2015/6/30</a:t>
+              <a:t>2015/7/13</a:t>
             </a:fld>
             <a:endParaRPr lang="zh-CN" altLang="en-US"/>
           </a:p>
@@ -734,7 +752,7 @@
           <a:p>
             <a:fld id="{CCD760FA-07EE-4BA0-ADB1-F73A6F25DC1C}" type="datetimeFigureOut">
               <a:rPr lang="zh-CN" altLang="en-US" smtClean="0"/>
-              <a:t>2015/6/30</a:t>
+              <a:t>2015/7/13</a:t>
             </a:fld>
             <a:endParaRPr lang="zh-CN" altLang="en-US"/>
           </a:p>
@@ -852,7 +870,7 @@
           <a:p>
             <a:fld id="{CCD760FA-07EE-4BA0-ADB1-F73A6F25DC1C}" type="datetimeFigureOut">
               <a:rPr lang="zh-CN" altLang="en-US" smtClean="0"/>
-              <a:t>2015/6/30</a:t>
+              <a:t>2015/7/13</a:t>
             </a:fld>
             <a:endParaRPr lang="zh-CN" altLang="en-US"/>
           </a:p>
@@ -1150,7 +1168,7 @@
           <a:p>
             <a:fld id="{CCD760FA-07EE-4BA0-ADB1-F73A6F25DC1C}" type="datetimeFigureOut">
               <a:rPr lang="zh-CN" altLang="en-US" smtClean="0"/>
-              <a:t>2015/6/30</a:t>
+              <a:t>2015/7/13</a:t>
             </a:fld>
             <a:endParaRPr lang="zh-CN" altLang="en-US"/>
           </a:p>
@@ -1443,7 +1461,7 @@
           <a:p>
             <a:fld id="{CCD760FA-07EE-4BA0-ADB1-F73A6F25DC1C}" type="datetimeFigureOut">
               <a:rPr lang="zh-CN" altLang="en-US" smtClean="0"/>
-              <a:t>2015/6/30</a:t>
+              <a:t>2015/7/13</a:t>
             </a:fld>
             <a:endParaRPr lang="zh-CN" altLang="en-US"/>
           </a:p>
@@ -1871,7 +1889,7 @@
           <a:p>
             <a:fld id="{CCD760FA-07EE-4BA0-ADB1-F73A6F25DC1C}" type="datetimeFigureOut">
               <a:rPr lang="zh-CN" altLang="en-US" smtClean="0"/>
-              <a:t>2015/6/30</a:t>
+              <a:t>2015/7/13</a:t>
             </a:fld>
             <a:endParaRPr lang="zh-CN" altLang="en-US"/>
           </a:p>
@@ -1989,7 +2007,7 @@
           <a:p>
             <a:fld id="{CCD760FA-07EE-4BA0-ADB1-F73A6F25DC1C}" type="datetimeFigureOut">
               <a:rPr lang="zh-CN" altLang="en-US" smtClean="0"/>
-              <a:t>2015/6/30</a:t>
+              <a:t>2015/7/13</a:t>
             </a:fld>
             <a:endParaRPr lang="zh-CN" altLang="en-US"/>
           </a:p>
@@ -2079,7 +2097,7 @@
           <a:p>
             <a:fld id="{CCD760FA-07EE-4BA0-ADB1-F73A6F25DC1C}" type="datetimeFigureOut">
               <a:rPr lang="zh-CN" altLang="en-US" smtClean="0"/>
-              <a:t>2015/6/30</a:t>
+              <a:t>2015/7/13</a:t>
             </a:fld>
             <a:endParaRPr lang="zh-CN" altLang="en-US"/>
           </a:p>
@@ -2329,7 +2347,7 @@
           <a:p>
             <a:fld id="{CCD760FA-07EE-4BA0-ADB1-F73A6F25DC1C}" type="datetimeFigureOut">
               <a:rPr lang="zh-CN" altLang="en-US" smtClean="0"/>
-              <a:t>2015/6/30</a:t>
+              <a:t>2015/7/13</a:t>
             </a:fld>
             <a:endParaRPr lang="zh-CN" altLang="en-US"/>
           </a:p>
@@ -2845,7 +2863,7 @@
           <a:p>
             <a:fld id="{CCD760FA-07EE-4BA0-ADB1-F73A6F25DC1C}" type="datetimeFigureOut">
               <a:rPr lang="zh-CN" altLang="en-US" smtClean="0"/>
-              <a:t>2015/6/30</a:t>
+              <a:t>2015/7/13</a:t>
             </a:fld>
             <a:endParaRPr lang="zh-CN" altLang="en-US"/>
           </a:p>
@@ -3075,7 +3093,7 @@
           <a:p>
             <a:fld id="{CCD760FA-07EE-4BA0-ADB1-F73A6F25DC1C}" type="datetimeFigureOut">
               <a:rPr lang="zh-CN" altLang="en-US" smtClean="0"/>
-              <a:t>2015/6/30</a:t>
+              <a:t>2015/7/13</a:t>
             </a:fld>
             <a:endParaRPr lang="zh-CN" altLang="en-US"/>
           </a:p>
@@ -10029,12 +10047,175 @@
           <a:p>
             <a:r>
               <a:rPr lang="zh-CN" altLang="en-US" dirty="0" smtClean="0"/>
-              <a:t>静态配置</a:t>
-            </a:r>
-            <a:r>
-              <a:rPr lang="zh-CN" altLang="en-US" dirty="0" smtClean="0"/>
-              <a:t>：</a:t>
-            </a:r>
+              <a:t>静态配置：</a:t>
+            </a:r>
+            <a:endParaRPr lang="en-US" altLang="zh-CN" dirty="0" smtClean="0"/>
+          </a:p>
+          <a:p>
+            <a:r>
+              <a:rPr lang="zh-CN" altLang="en-US" dirty="0" smtClean="0"/>
+              <a:t>可以通过环境变量或者命令行参数的方式传递配置信息，命令行方式优先级更高。映射关系：</a:t>
+            </a:r>
+            <a:r>
+              <a:rPr lang="en-US" altLang="zh-CN" dirty="0"/>
+              <a:t>-my-flag is </a:t>
+            </a:r>
+            <a:r>
+              <a:rPr lang="en-US" altLang="zh-CN" dirty="0" smtClean="0"/>
+              <a:t>ETCD_MY_FLAG</a:t>
+            </a:r>
+          </a:p>
+          <a:p>
+            <a:r>
+              <a:rPr lang="en-US" altLang="zh-CN" dirty="0" smtClean="0"/>
+              <a:t>-name</a:t>
+            </a:r>
+            <a:r>
+              <a:rPr lang="zh-CN" altLang="en-US" dirty="0" smtClean="0"/>
+              <a:t>，</a:t>
+            </a:r>
+            <a:r>
+              <a:rPr lang="en-US" altLang="zh-CN" dirty="0" err="1" smtClean="0"/>
+              <a:t>etcd</a:t>
+            </a:r>
+            <a:r>
+              <a:rPr lang="en-US" altLang="zh-CN" dirty="0" smtClean="0"/>
+              <a:t> server</a:t>
+            </a:r>
+            <a:r>
+              <a:rPr lang="zh-CN" altLang="en-US" dirty="0" smtClean="0"/>
+              <a:t>在集群中的名字，默认为</a:t>
+            </a:r>
+            <a:r>
+              <a:rPr lang="en-US" altLang="zh-CN" dirty="0" smtClean="0"/>
+              <a:t>default</a:t>
+            </a:r>
+          </a:p>
+          <a:p>
+            <a:r>
+              <a:rPr lang="en-US" altLang="zh-CN" dirty="0" smtClean="0"/>
+              <a:t>-data-</a:t>
+            </a:r>
+            <a:r>
+              <a:rPr lang="en-US" altLang="zh-CN" dirty="0" err="1" smtClean="0"/>
+              <a:t>dir</a:t>
+            </a:r>
+            <a:r>
+              <a:rPr lang="zh-CN" altLang="en-US" dirty="0" smtClean="0"/>
+              <a:t>，存放数据的目录路径</a:t>
+            </a:r>
+            <a:endParaRPr lang="en-US" altLang="zh-CN" dirty="0" smtClean="0"/>
+          </a:p>
+          <a:p>
+            <a:r>
+              <a:rPr lang="en-US" altLang="zh-CN" dirty="0" smtClean="0"/>
+              <a:t>-snapshot-count</a:t>
+            </a:r>
+            <a:r>
+              <a:rPr lang="zh-CN" altLang="en-US" dirty="0" smtClean="0"/>
+              <a:t>，触发</a:t>
+            </a:r>
+            <a:r>
+              <a:rPr lang="en-US" altLang="zh-CN" dirty="0" smtClean="0"/>
+              <a:t>snapshot</a:t>
+            </a:r>
+            <a:r>
+              <a:rPr lang="zh-CN" altLang="en-US" dirty="0" smtClean="0"/>
+              <a:t>之前的提交次数，默认</a:t>
+            </a:r>
+            <a:r>
+              <a:rPr lang="en-US" altLang="zh-CN" dirty="0" smtClean="0"/>
+              <a:t>10000</a:t>
+            </a:r>
+          </a:p>
+          <a:p>
+            <a:r>
+              <a:rPr lang="en-US" altLang="zh-CN" dirty="0" smtClean="0"/>
+              <a:t>-heartbeat-interval</a:t>
+            </a:r>
+            <a:r>
+              <a:rPr lang="zh-CN" altLang="en-US" dirty="0" smtClean="0"/>
+              <a:t>，心跳间隔</a:t>
+            </a:r>
+            <a:endParaRPr lang="en-US" altLang="zh-CN" dirty="0" smtClean="0"/>
+          </a:p>
+          <a:p>
+            <a:r>
+              <a:rPr lang="en-US" altLang="zh-CN" dirty="0" smtClean="0"/>
+              <a:t>-election-timeout</a:t>
+            </a:r>
+            <a:r>
+              <a:rPr lang="zh-CN" altLang="en-US" dirty="0" smtClean="0"/>
+              <a:t>，</a:t>
+            </a:r>
+            <a:r>
+              <a:rPr lang="en-US" altLang="zh-CN" dirty="0" smtClean="0"/>
+              <a:t>follower</a:t>
+            </a:r>
+            <a:r>
+              <a:rPr lang="zh-CN" altLang="en-US" dirty="0" smtClean="0"/>
+              <a:t>在这个间隔内没有收到心跳转化为</a:t>
+            </a:r>
+            <a:r>
+              <a:rPr lang="en-US" altLang="zh-CN" dirty="0" smtClean="0"/>
+              <a:t>candidate</a:t>
+            </a:r>
+          </a:p>
+          <a:p>
+            <a:r>
+              <a:rPr lang="en-US" altLang="zh-CN" dirty="0" smtClean="0"/>
+              <a:t>-listen-peer-</a:t>
+            </a:r>
+            <a:r>
+              <a:rPr lang="en-US" altLang="zh-CN" dirty="0" err="1" smtClean="0"/>
+              <a:t>urls</a:t>
+            </a:r>
+            <a:r>
+              <a:rPr lang="zh-CN" altLang="en-US" dirty="0" smtClean="0"/>
+              <a:t>，用于集群内部交流的</a:t>
+            </a:r>
+            <a:r>
+              <a:rPr lang="en-US" altLang="zh-CN" dirty="0" smtClean="0"/>
+              <a:t>URL</a:t>
+            </a:r>
+            <a:r>
+              <a:rPr lang="zh-CN" altLang="en-US" dirty="0" smtClean="0"/>
+              <a:t>和端口</a:t>
+            </a:r>
+            <a:endParaRPr lang="en-US" altLang="zh-CN" dirty="0" smtClean="0"/>
+          </a:p>
+          <a:p>
+            <a:r>
+              <a:rPr lang="en-US" altLang="zh-CN" dirty="0" smtClean="0"/>
+              <a:t>-listen-client-</a:t>
+            </a:r>
+            <a:r>
+              <a:rPr lang="en-US" altLang="zh-CN" dirty="0" err="1" smtClean="0"/>
+              <a:t>urls</a:t>
+            </a:r>
+            <a:r>
+              <a:rPr lang="zh-CN" altLang="en-US" dirty="0" smtClean="0"/>
+              <a:t>，为</a:t>
+            </a:r>
+            <a:r>
+              <a:rPr lang="en-US" altLang="zh-CN" dirty="0" smtClean="0"/>
+              <a:t>client</a:t>
+            </a:r>
+            <a:r>
+              <a:rPr lang="zh-CN" altLang="en-US" dirty="0" smtClean="0"/>
+              <a:t>提供服务的</a:t>
+            </a:r>
+            <a:r>
+              <a:rPr lang="en-US" altLang="zh-CN" dirty="0" smtClean="0"/>
+              <a:t>URL</a:t>
+            </a:r>
+            <a:r>
+              <a:rPr lang="zh-CN" altLang="en-US" dirty="0" smtClean="0"/>
+              <a:t>和端口</a:t>
+            </a:r>
+            <a:endParaRPr lang="en-US" altLang="zh-CN" dirty="0" smtClean="0"/>
+          </a:p>
+          <a:p>
             <a:endParaRPr lang="zh-CN" altLang="en-US" dirty="0"/>
           </a:p>
         </p:txBody>
@@ -10120,17 +10301,148 @@
           <a:p>
             <a:r>
               <a:rPr lang="zh-CN" altLang="en-US" dirty="0"/>
-              <a:t>动态</a:t>
-            </a:r>
-            <a:r>
-              <a:rPr lang="zh-CN" altLang="en-US" dirty="0" smtClean="0"/>
-              <a:t>配置</a:t>
-            </a:r>
-            <a:r>
-              <a:rPr lang="zh-CN" altLang="en-US" dirty="0" smtClean="0"/>
-              <a:t>：</a:t>
-            </a:r>
-            <a:endParaRPr lang="zh-CN" altLang="en-US" dirty="0"/>
+              <a:t>静态</a:t>
+            </a:r>
+            <a:r>
+              <a:rPr lang="zh-CN" altLang="en-US" dirty="0" smtClean="0"/>
+              <a:t>配置：</a:t>
+            </a:r>
+            <a:endParaRPr lang="en-US" altLang="zh-CN" dirty="0" smtClean="0"/>
+          </a:p>
+          <a:p>
+            <a:r>
+              <a:rPr lang="zh-CN" altLang="en-US" dirty="0" smtClean="0"/>
+              <a:t>集群初始化相关配置</a:t>
+            </a:r>
+            <a:endParaRPr lang="en-US" altLang="zh-CN" dirty="0" smtClean="0"/>
+          </a:p>
+          <a:p>
+            <a:r>
+              <a:rPr lang="en-US" altLang="zh-CN" b="1" dirty="0"/>
+              <a:t>-</a:t>
+            </a:r>
+            <a:r>
+              <a:rPr lang="en-US" altLang="zh-CN" b="1" dirty="0" smtClean="0"/>
+              <a:t>initial-advertise-peer-</a:t>
+            </a:r>
+            <a:r>
+              <a:rPr lang="en-US" altLang="zh-CN" b="1" dirty="0" err="1" smtClean="0"/>
+              <a:t>urls</a:t>
+            </a:r>
+            <a:r>
+              <a:rPr lang="zh-CN" altLang="en-US" dirty="0"/>
+              <a:t> </a:t>
+            </a:r>
+            <a:r>
+              <a:rPr lang="zh-CN" altLang="en-US" dirty="0" smtClean="0"/>
+              <a:t>集群中暴露出去的</a:t>
+            </a:r>
+            <a:r>
+              <a:rPr lang="en-US" altLang="zh-CN" dirty="0" smtClean="0"/>
+              <a:t>peer</a:t>
+            </a:r>
+            <a:r>
+              <a:rPr lang="zh-CN" altLang="en-US" dirty="0" smtClean="0"/>
+              <a:t>交流</a:t>
+            </a:r>
+            <a:r>
+              <a:rPr lang="en-US" altLang="zh-CN" dirty="0" err="1" smtClean="0"/>
+              <a:t>urls</a:t>
+            </a:r>
+            <a:endParaRPr lang="en-US" altLang="zh-CN" dirty="0" smtClean="0"/>
+          </a:p>
+          <a:p>
+            <a:r>
+              <a:rPr lang="en-US" altLang="zh-CN" b="1" dirty="0" smtClean="0"/>
+              <a:t>-initial-cluster </a:t>
+            </a:r>
+            <a:r>
+              <a:rPr lang="zh-CN" altLang="en-US" b="1" dirty="0" smtClean="0"/>
+              <a:t>集群成员信息</a:t>
+            </a:r>
+            <a:endParaRPr lang="en-US" altLang="zh-CN" b="1" dirty="0" smtClean="0"/>
+          </a:p>
+          <a:p>
+            <a:r>
+              <a:rPr lang="en-US" altLang="zh-CN" b="1" dirty="0" smtClean="0"/>
+              <a:t>-advertise-client-</a:t>
+            </a:r>
+            <a:r>
+              <a:rPr lang="en-US" altLang="zh-CN" b="1" dirty="0" err="1" smtClean="0"/>
+              <a:t>urls</a:t>
+            </a:r>
+            <a:r>
+              <a:rPr lang="en-US" altLang="zh-CN" b="1" dirty="0" smtClean="0"/>
+              <a:t> </a:t>
+            </a:r>
+            <a:r>
+              <a:rPr lang="zh-CN" altLang="en-US" b="1" dirty="0" smtClean="0"/>
+              <a:t>集群对外</a:t>
+            </a:r>
+            <a:r>
+              <a:rPr lang="en-US" altLang="zh-CN" b="1" dirty="0" smtClean="0"/>
+              <a:t>client</a:t>
+            </a:r>
+            <a:r>
+              <a:rPr lang="zh-CN" altLang="en-US" b="1" dirty="0" smtClean="0"/>
+              <a:t>交流的</a:t>
+            </a:r>
+            <a:r>
+              <a:rPr lang="en-US" altLang="zh-CN" b="1" dirty="0" err="1" smtClean="0"/>
+              <a:t>urls</a:t>
+            </a:r>
+            <a:endParaRPr lang="en-US" altLang="zh-CN" b="1" dirty="0" smtClean="0"/>
+          </a:p>
+          <a:p>
+            <a:r>
+              <a:rPr lang="en-US" altLang="zh-CN" b="1" dirty="0" smtClean="0"/>
+              <a:t>-discovery </a:t>
+            </a:r>
+            <a:r>
+              <a:rPr lang="zh-CN" altLang="en-US" b="1" dirty="0" smtClean="0"/>
+              <a:t>配置相同的</a:t>
+            </a:r>
+            <a:r>
+              <a:rPr lang="en-US" altLang="zh-CN" b="1" dirty="0" smtClean="0"/>
+              <a:t>discovery </a:t>
+            </a:r>
+            <a:r>
+              <a:rPr lang="en-US" altLang="zh-CN" b="1" smtClean="0"/>
+              <a:t>url</a:t>
+            </a:r>
+            <a:endParaRPr lang="en-US" altLang="zh-CN" b="1" dirty="0" smtClean="0"/>
+          </a:p>
+          <a:p>
+            <a:endParaRPr lang="en-US" altLang="zh-CN" b="1" dirty="0"/>
+          </a:p>
+          <a:p>
+            <a:r>
+              <a:rPr lang="en-US" altLang="zh-CN" b="1" dirty="0" smtClean="0"/>
+              <a:t>-proxy off/on/</a:t>
+            </a:r>
+            <a:r>
+              <a:rPr lang="en-US" altLang="zh-CN" b="1" dirty="0" err="1" smtClean="0"/>
+              <a:t>readonly</a:t>
+            </a:r>
+            <a:endParaRPr lang="en-US" altLang="zh-CN" b="1" dirty="0" smtClean="0"/>
+          </a:p>
+          <a:p>
+            <a:endParaRPr lang="en-US" altLang="zh-CN" b="1" dirty="0"/>
+          </a:p>
+          <a:p>
+            <a:r>
+              <a:rPr lang="en-US" altLang="zh-CN" b="1" dirty="0" smtClean="0"/>
+              <a:t>-debug </a:t>
+            </a:r>
+            <a:r>
+              <a:rPr lang="zh-CN" altLang="en-US" b="1" dirty="0" smtClean="0"/>
+              <a:t>输出调试信息到</a:t>
+            </a:r>
+            <a:r>
+              <a:rPr lang="en-US" altLang="zh-CN" b="1" dirty="0" err="1" smtClean="0"/>
+              <a:t>stdout</a:t>
+            </a:r>
+            <a:endParaRPr lang="en-US" altLang="zh-CN" b="1" dirty="0"/>
           </a:p>
         </p:txBody>
       </p:sp>
@@ -10192,7 +10504,7 @@
             </a:r>
             <a:r>
               <a:rPr lang="zh-CN" altLang="en-US" dirty="0" smtClean="0"/>
-              <a:t>实现原理</a:t>
+              <a:t>配置</a:t>
             </a:r>
             <a:endParaRPr lang="zh-CN" altLang="en-US" dirty="0"/>
           </a:p>
@@ -10214,8 +10526,12 @@
           <a:lstStyle/>
           <a:p>
             <a:r>
-              <a:rPr lang="zh-CN" altLang="en-US" dirty="0" smtClean="0"/>
-              <a:t>代码框架：</a:t>
+              <a:rPr lang="zh-CN" altLang="en-US" dirty="0"/>
+              <a:t>动态</a:t>
+            </a:r>
+            <a:r>
+              <a:rPr lang="zh-CN" altLang="en-US" dirty="0" smtClean="0"/>
+              <a:t>配置：</a:t>
             </a:r>
             <a:endParaRPr lang="zh-CN" altLang="en-US" dirty="0"/>
           </a:p>
@@ -10224,7 +10540,7 @@
     </p:spTree>
     <p:extLst>
       <p:ext uri="{BB962C8B-B14F-4D97-AF65-F5344CB8AC3E}">
-        <p14:creationId xmlns:p14="http://schemas.microsoft.com/office/powerpoint/2010/main" val="3047359898"/>
+        <p14:creationId xmlns:p14="http://schemas.microsoft.com/office/powerpoint/2010/main" val="942474047"/>
       </p:ext>
     </p:extLst>
   </p:cSld>
@@ -10274,12 +10590,12 @@
           <a:lstStyle/>
           <a:p>
             <a:r>
-              <a:rPr lang="en-US" altLang="zh-CN" dirty="0" err="1" smtClean="0"/>
-              <a:t>Etcd</a:t>
-            </a:r>
-            <a:r>
-              <a:rPr lang="zh-CN" altLang="en-US" dirty="0" smtClean="0"/>
-              <a:t>做服务发现</a:t>
+              <a:rPr lang="en-US" altLang="zh-CN" dirty="0" smtClean="0"/>
+              <a:t>ETCD</a:t>
+            </a:r>
+            <a:r>
+              <a:rPr lang="zh-CN" altLang="en-US" dirty="0" smtClean="0"/>
+              <a:t>数据恢复</a:t>
             </a:r>
             <a:endParaRPr lang="zh-CN" altLang="en-US" dirty="0"/>
           </a:p>
@@ -10300,31 +10616,20 @@
           <a:bodyPr/>
           <a:lstStyle/>
           <a:p>
-            <a:r>
-              <a:rPr lang="en-US" altLang="zh-CN" dirty="0"/>
-              <a:t>http://lisux.me/lishuai/wp-content//2014/10/etcd%E5%AE%9E%E7%8E%B0%E6%9C%8D%E5%8A%A1%E5%8F%91%E7%8E%B0.pdf</a:t>
-            </a:r>
-            <a:endParaRPr lang="zh-CN" altLang="en-US" dirty="0"/>
+            <a:endParaRPr lang="zh-CN" altLang="en-US"/>
           </a:p>
         </p:txBody>
       </p:sp>
     </p:spTree>
     <p:extLst>
       <p:ext uri="{BB962C8B-B14F-4D97-AF65-F5344CB8AC3E}">
-        <p14:creationId xmlns:p14="http://schemas.microsoft.com/office/powerpoint/2010/main" val="4120712768"/>
+        <p14:creationId xmlns:p14="http://schemas.microsoft.com/office/powerpoint/2010/main" val="1445595640"/>
       </p:ext>
     </p:extLst>
   </p:cSld>
   <p:clrMapOvr>
     <a:masterClrMapping/>
   </p:clrMapOvr>
-  <p:timing>
-    <p:tnLst>
-      <p:par>
-        <p:cTn id="1" dur="indefinite" restart="never" nodeType="tmRoot"/>
-      </p:par>
-    </p:tnLst>
-  </p:timing>
 </p:sld>
 </file>
 
@@ -10361,12 +10666,12 @@
           <a:lstStyle/>
           <a:p>
             <a:r>
-              <a:rPr lang="en-US" altLang="zh-CN" dirty="0" err="1" smtClean="0"/>
-              <a:t>Etcd</a:t>
-            </a:r>
-            <a:r>
-              <a:rPr lang="zh-CN" altLang="en-US" dirty="0" smtClean="0"/>
-              <a:t>相关命令</a:t>
+              <a:rPr lang="en-US" altLang="zh-CN" dirty="0" smtClean="0"/>
+              <a:t>ETCD</a:t>
+            </a:r>
+            <a:r>
+              <a:rPr lang="zh-CN" altLang="en-US" dirty="0" smtClean="0"/>
+              <a:t>数据迁移</a:t>
             </a:r>
             <a:endParaRPr lang="zh-CN" altLang="en-US" dirty="0"/>
           </a:p>
@@ -10387,36 +10692,1170 @@
           <a:bodyPr/>
           <a:lstStyle/>
           <a:p>
-            <a:r>
-              <a:rPr lang="en-US" altLang="zh-CN" dirty="0" smtClean="0"/>
-              <a:t>ETCDCTL</a:t>
-            </a:r>
-            <a:r>
-              <a:rPr lang="zh-CN" altLang="en-US" dirty="0" smtClean="0"/>
-              <a:t>：</a:t>
-            </a:r>
-            <a:endParaRPr lang="en-US" altLang="zh-CN" dirty="0" smtClean="0"/>
-          </a:p>
-          <a:p>
-            <a:endParaRPr lang="en-US" altLang="zh-CN" dirty="0"/>
-          </a:p>
-          <a:p>
-            <a:r>
-              <a:rPr lang="en-US" altLang="zh-CN" dirty="0" smtClean="0"/>
-              <a:t>CURL</a:t>
-            </a:r>
-            <a:r>
-              <a:rPr lang="zh-CN" altLang="en-US" dirty="0" smtClean="0"/>
-              <a:t>：</a:t>
-            </a:r>
-            <a:endParaRPr lang="zh-CN" altLang="en-US" dirty="0"/>
+            <a:endParaRPr lang="zh-CN" altLang="en-US"/>
           </a:p>
         </p:txBody>
       </p:sp>
     </p:spTree>
     <p:extLst>
       <p:ext uri="{BB962C8B-B14F-4D97-AF65-F5344CB8AC3E}">
-        <p14:creationId xmlns:p14="http://schemas.microsoft.com/office/powerpoint/2010/main" val="3214575600"/>
+        <p14:creationId xmlns:p14="http://schemas.microsoft.com/office/powerpoint/2010/main" val="3686396666"/>
+      </p:ext>
+    </p:extLst>
+  </p:cSld>
+  <p:clrMapOvr>
+    <a:masterClrMapping/>
+  </p:clrMapOvr>
+  <p:timing>
+    <p:tnLst>
+      <p:par>
+        <p:cTn id="1" dur="indefinite" restart="never" nodeType="tmRoot"/>
+      </p:par>
+    </p:tnLst>
+  </p:timing>
+</p:sld>
+</file>
+
+<file path=ppt/slides/slide35.xml><?xml version="1.0" encoding="utf-8"?>
+<p:sld xmlns:a="http://schemas.openxmlformats.org/drawingml/2006/main" xmlns:r="http://schemas.openxmlformats.org/officeDocument/2006/relationships" xmlns:p="http://schemas.openxmlformats.org/presentationml/2006/main">
+  <p:cSld>
+    <p:spTree>
+      <p:nvGrpSpPr>
+        <p:cNvPr id="1" name=""/>
+        <p:cNvGrpSpPr/>
+        <p:nvPr/>
+      </p:nvGrpSpPr>
+      <p:grpSpPr>
+        <a:xfrm>
+          <a:off x="0" y="0"/>
+          <a:ext cx="0" cy="0"/>
+          <a:chOff x="0" y="0"/>
+          <a:chExt cx="0" cy="0"/>
+        </a:xfrm>
+      </p:grpSpPr>
+      <p:sp>
+        <p:nvSpPr>
+          <p:cNvPr id="2" name="标题 1"/>
+          <p:cNvSpPr>
+            <a:spLocks noGrp="1"/>
+          </p:cNvSpPr>
+          <p:nvPr>
+            <p:ph type="title"/>
+          </p:nvPr>
+        </p:nvSpPr>
+        <p:spPr/>
+        <p:txBody>
+          <a:bodyPr/>
+          <a:lstStyle/>
+          <a:p>
+            <a:r>
+              <a:rPr lang="en-US" altLang="zh-CN" dirty="0" smtClean="0"/>
+              <a:t>ETCD</a:t>
+            </a:r>
+            <a:r>
+              <a:rPr lang="zh-CN" altLang="en-US" dirty="0" smtClean="0"/>
+              <a:t>实现原理</a:t>
+            </a:r>
+            <a:endParaRPr lang="zh-CN" altLang="en-US" dirty="0"/>
+          </a:p>
+        </p:txBody>
+      </p:sp>
+      <p:sp>
+        <p:nvSpPr>
+          <p:cNvPr id="3" name="内容占位符 2"/>
+          <p:cNvSpPr>
+            <a:spLocks noGrp="1"/>
+          </p:cNvSpPr>
+          <p:nvPr>
+            <p:ph sz="quarter" idx="13"/>
+          </p:nvPr>
+        </p:nvSpPr>
+        <p:spPr>
+          <a:xfrm>
+            <a:off x="611560" y="1340768"/>
+            <a:ext cx="7924800" cy="4114800"/>
+          </a:xfrm>
+        </p:spPr>
+        <p:txBody>
+          <a:bodyPr/>
+          <a:lstStyle/>
+          <a:p>
+            <a:r>
+              <a:rPr lang="zh-CN" altLang="en-US" dirty="0"/>
+              <a:t>启动</a:t>
+            </a:r>
+            <a:r>
+              <a:rPr lang="zh-CN" altLang="en-US" dirty="0" smtClean="0"/>
+              <a:t>：</a:t>
+            </a:r>
+            <a:endParaRPr lang="en-US" altLang="zh-CN" dirty="0" smtClean="0"/>
+          </a:p>
+          <a:p>
+            <a:r>
+              <a:rPr lang="en-US" altLang="zh-CN" dirty="0" err="1" smtClean="0"/>
+              <a:t>Etcd</a:t>
+            </a:r>
+            <a:r>
+              <a:rPr lang="en-US" altLang="zh-CN" dirty="0" smtClean="0"/>
+              <a:t>/</a:t>
+            </a:r>
+            <a:r>
+              <a:rPr lang="en-US" altLang="zh-CN" dirty="0" err="1" smtClean="0"/>
+              <a:t>main.go:main</a:t>
+            </a:r>
+            <a:r>
+              <a:rPr lang="en-US" altLang="zh-CN" dirty="0" smtClean="0"/>
+              <a:t>() </a:t>
+            </a:r>
+            <a:r>
+              <a:rPr lang="en-US" altLang="zh-CN" dirty="0" smtClean="0">
+                <a:sym typeface="Wingdings" panose="05000000000000000000" pitchFamily="2" charset="2"/>
+              </a:rPr>
+              <a:t></a:t>
+            </a:r>
+            <a:endParaRPr lang="en-US" altLang="zh-CN" dirty="0" smtClean="0"/>
+          </a:p>
+          <a:p>
+            <a:r>
+              <a:rPr lang="en-US" altLang="zh-CN" dirty="0" err="1" smtClean="0"/>
+              <a:t>Etcdmain</a:t>
+            </a:r>
+            <a:r>
+              <a:rPr lang="en-US" altLang="zh-CN" dirty="0" smtClean="0"/>
+              <a:t>/</a:t>
+            </a:r>
+            <a:r>
+              <a:rPr lang="en-US" altLang="zh-CN" dirty="0" err="1" smtClean="0"/>
+              <a:t>etcd.go:Main</a:t>
+            </a:r>
+            <a:r>
+              <a:rPr lang="en-US" altLang="zh-CN" dirty="0" smtClean="0"/>
+              <a:t>() </a:t>
+            </a:r>
+            <a:r>
+              <a:rPr lang="en-US" altLang="zh-CN" dirty="0" smtClean="0">
+                <a:sym typeface="Wingdings" panose="05000000000000000000" pitchFamily="2" charset="2"/>
+              </a:rPr>
+              <a:t></a:t>
+            </a:r>
+            <a:endParaRPr lang="en-US" altLang="zh-CN" dirty="0" smtClean="0"/>
+          </a:p>
+          <a:p>
+            <a:r>
+              <a:rPr lang="zh-CN" altLang="en-US" dirty="0" smtClean="0"/>
+              <a:t>注册默认配置，优先读取命令行配置，其次环境变量，最后使用默认信息</a:t>
+            </a:r>
+            <a:endParaRPr lang="en-US" altLang="zh-CN" dirty="0" smtClean="0"/>
+          </a:p>
+          <a:p>
+            <a:endParaRPr lang="en-US" altLang="zh-CN" dirty="0" smtClean="0"/>
+          </a:p>
+          <a:p>
+            <a:endParaRPr lang="en-US" altLang="zh-CN" dirty="0" smtClean="0"/>
+          </a:p>
+          <a:p>
+            <a:endParaRPr lang="zh-CN" altLang="en-US" dirty="0"/>
+          </a:p>
+        </p:txBody>
+      </p:sp>
+      <p:pic>
+        <p:nvPicPr>
+          <p:cNvPr id="2055" name="Picture 7"/>
+          <p:cNvPicPr>
+            <a:picLocks noChangeAspect="1" noChangeArrowheads="1"/>
+          </p:cNvPicPr>
+          <p:nvPr/>
+        </p:nvPicPr>
+        <p:blipFill>
+          <a:blip r:embed="rId2">
+            <a:extLst>
+              <a:ext uri="{28A0092B-C50C-407E-A947-70E740481C1C}">
+                <a14:useLocalDpi xmlns:a14="http://schemas.microsoft.com/office/drawing/2010/main" val="0"/>
+              </a:ext>
+            </a:extLst>
+          </a:blip>
+          <a:srcRect/>
+          <a:stretch>
+            <a:fillRect/>
+          </a:stretch>
+        </p:blipFill>
+        <p:spPr bwMode="auto">
+          <a:xfrm>
+            <a:off x="755576" y="2852936"/>
+            <a:ext cx="6319588" cy="3684315"/>
+          </a:xfrm>
+          <a:prstGeom prst="rect">
+            <a:avLst/>
+          </a:prstGeom>
+          <a:noFill/>
+          <a:ln>
+            <a:noFill/>
+          </a:ln>
+          <a:extLst>
+            <a:ext uri="{909E8E84-426E-40DD-AFC4-6F175D3DCCD1}">
+              <a14:hiddenFill xmlns:a14="http://schemas.microsoft.com/office/drawing/2010/main">
+                <a:solidFill>
+                  <a:schemeClr val="accent1"/>
+                </a:solidFill>
+              </a14:hiddenFill>
+            </a:ext>
+            <a:ext uri="{91240B29-F687-4F45-9708-019B960494DF}">
+              <a14:hiddenLine xmlns:a14="http://schemas.microsoft.com/office/drawing/2010/main" w="9525">
+                <a:solidFill>
+                  <a:schemeClr val="tx1"/>
+                </a:solidFill>
+                <a:miter lim="800000"/>
+                <a:headEnd/>
+                <a:tailEnd/>
+              </a14:hiddenLine>
+            </a:ext>
+          </a:extLst>
+        </p:spPr>
+      </p:pic>
+    </p:spTree>
+    <p:extLst>
+      <p:ext uri="{BB962C8B-B14F-4D97-AF65-F5344CB8AC3E}">
+        <p14:creationId xmlns:p14="http://schemas.microsoft.com/office/powerpoint/2010/main" val="3047359898"/>
+      </p:ext>
+    </p:extLst>
+  </p:cSld>
+  <p:clrMapOvr>
+    <a:masterClrMapping/>
+  </p:clrMapOvr>
+  <p:timing>
+    <p:tnLst>
+      <p:par>
+        <p:cTn id="1" dur="indefinite" restart="never" nodeType="tmRoot"/>
+      </p:par>
+    </p:tnLst>
+  </p:timing>
+</p:sld>
+</file>
+
+<file path=ppt/slides/slide36.xml><?xml version="1.0" encoding="utf-8"?>
+<p:sld xmlns:a="http://schemas.openxmlformats.org/drawingml/2006/main" xmlns:r="http://schemas.openxmlformats.org/officeDocument/2006/relationships" xmlns:p="http://schemas.openxmlformats.org/presentationml/2006/main">
+  <p:cSld>
+    <p:spTree>
+      <p:nvGrpSpPr>
+        <p:cNvPr id="1" name=""/>
+        <p:cNvGrpSpPr/>
+        <p:nvPr/>
+      </p:nvGrpSpPr>
+      <p:grpSpPr>
+        <a:xfrm>
+          <a:off x="0" y="0"/>
+          <a:ext cx="0" cy="0"/>
+          <a:chOff x="0" y="0"/>
+          <a:chExt cx="0" cy="0"/>
+        </a:xfrm>
+      </p:grpSpPr>
+      <p:sp>
+        <p:nvSpPr>
+          <p:cNvPr id="2" name="标题 1"/>
+          <p:cNvSpPr>
+            <a:spLocks noGrp="1"/>
+          </p:cNvSpPr>
+          <p:nvPr>
+            <p:ph type="title"/>
+          </p:nvPr>
+        </p:nvSpPr>
+        <p:spPr/>
+        <p:txBody>
+          <a:bodyPr/>
+          <a:lstStyle/>
+          <a:p>
+            <a:r>
+              <a:rPr lang="en-US" altLang="zh-CN" dirty="0" err="1" smtClean="0"/>
+              <a:t>Etcd</a:t>
+            </a:r>
+            <a:r>
+              <a:rPr lang="zh-CN" altLang="en-US" dirty="0" smtClean="0"/>
+              <a:t>做配置中心</a:t>
+            </a:r>
+            <a:endParaRPr lang="zh-CN" altLang="en-US" dirty="0"/>
+          </a:p>
+        </p:txBody>
+      </p:sp>
+      <p:pic>
+        <p:nvPicPr>
+          <p:cNvPr id="4" name="内容占位符 3"/>
+          <p:cNvPicPr>
+            <a:picLocks noGrp="1" noChangeAspect="1"/>
+          </p:cNvPicPr>
+          <p:nvPr>
+            <p:ph sz="quarter" idx="13"/>
+          </p:nvPr>
+        </p:nvPicPr>
+        <p:blipFill>
+          <a:blip r:embed="rId2">
+            <a:extLst>
+              <a:ext uri="{28A0092B-C50C-407E-A947-70E740481C1C}">
+                <a14:useLocalDpi xmlns:a14="http://schemas.microsoft.com/office/drawing/2010/main" val="0"/>
+              </a:ext>
+            </a:extLst>
+          </a:blip>
+          <a:stretch>
+            <a:fillRect/>
+          </a:stretch>
+        </p:blipFill>
+        <p:spPr>
+          <a:xfrm>
+            <a:off x="683568" y="1854116"/>
+            <a:ext cx="7056784" cy="2614354"/>
+          </a:xfrm>
+        </p:spPr>
+      </p:pic>
+      <p:sp>
+        <p:nvSpPr>
+          <p:cNvPr id="5" name="TextBox 4"/>
+          <p:cNvSpPr txBox="1"/>
+          <p:nvPr/>
+        </p:nvSpPr>
+        <p:spPr>
+          <a:xfrm>
+            <a:off x="683568" y="1484784"/>
+            <a:ext cx="3672408" cy="369332"/>
+          </a:xfrm>
+          <a:prstGeom prst="rect">
+            <a:avLst/>
+          </a:prstGeom>
+          <a:noFill/>
+        </p:spPr>
+        <p:txBody>
+          <a:bodyPr wrap="square" rtlCol="0">
+            <a:spAutoFit/>
+          </a:bodyPr>
+          <a:lstStyle/>
+          <a:p>
+            <a:pPr marL="285750" indent="-285750">
+              <a:buFont typeface="Arial" panose="020B0604020202020204" pitchFamily="34" charset="0"/>
+              <a:buChar char="•"/>
+            </a:pPr>
+            <a:r>
+              <a:rPr lang="en-US" altLang="zh-CN" dirty="0" err="1" smtClean="0"/>
+              <a:t>Config</a:t>
+            </a:r>
+            <a:r>
+              <a:rPr lang="en-US" altLang="zh-CN" dirty="0" smtClean="0"/>
+              <a:t> server</a:t>
+            </a:r>
+            <a:r>
+              <a:rPr lang="zh-CN" altLang="en-US" dirty="0" smtClean="0"/>
+              <a:t>配置存储</a:t>
+            </a:r>
+            <a:endParaRPr lang="zh-CN" altLang="en-US" dirty="0"/>
+          </a:p>
+        </p:txBody>
+      </p:sp>
+      <p:pic>
+        <p:nvPicPr>
+          <p:cNvPr id="1026" name="Picture 2"/>
+          <p:cNvPicPr>
+            <a:picLocks noChangeAspect="1" noChangeArrowheads="1"/>
+          </p:cNvPicPr>
+          <p:nvPr/>
+        </p:nvPicPr>
+        <p:blipFill>
+          <a:blip r:embed="rId3">
+            <a:extLst>
+              <a:ext uri="{28A0092B-C50C-407E-A947-70E740481C1C}">
+                <a14:useLocalDpi xmlns:a14="http://schemas.microsoft.com/office/drawing/2010/main" val="0"/>
+              </a:ext>
+            </a:extLst>
+          </a:blip>
+          <a:srcRect/>
+          <a:stretch>
+            <a:fillRect/>
+          </a:stretch>
+        </p:blipFill>
+        <p:spPr bwMode="auto">
+          <a:xfrm>
+            <a:off x="611560" y="4837802"/>
+            <a:ext cx="7248525" cy="885825"/>
+          </a:xfrm>
+          <a:prstGeom prst="rect">
+            <a:avLst/>
+          </a:prstGeom>
+          <a:noFill/>
+          <a:ln>
+            <a:noFill/>
+          </a:ln>
+          <a:extLst>
+            <a:ext uri="{909E8E84-426E-40DD-AFC4-6F175D3DCCD1}">
+              <a14:hiddenFill xmlns:a14="http://schemas.microsoft.com/office/drawing/2010/main">
+                <a:solidFill>
+                  <a:schemeClr val="accent1"/>
+                </a:solidFill>
+              </a14:hiddenFill>
+            </a:ext>
+            <a:ext uri="{91240B29-F687-4F45-9708-019B960494DF}">
+              <a14:hiddenLine xmlns:a14="http://schemas.microsoft.com/office/drawing/2010/main" w="9525">
+                <a:solidFill>
+                  <a:schemeClr val="tx1"/>
+                </a:solidFill>
+                <a:miter lim="800000"/>
+                <a:headEnd/>
+                <a:tailEnd/>
+              </a14:hiddenLine>
+            </a:ext>
+          </a:extLst>
+        </p:spPr>
+      </p:pic>
+      <p:sp>
+        <p:nvSpPr>
+          <p:cNvPr id="6" name="TextBox 5"/>
+          <p:cNvSpPr txBox="1"/>
+          <p:nvPr/>
+        </p:nvSpPr>
+        <p:spPr>
+          <a:xfrm>
+            <a:off x="683568" y="4468470"/>
+            <a:ext cx="2952328" cy="369332"/>
+          </a:xfrm>
+          <a:prstGeom prst="rect">
+            <a:avLst/>
+          </a:prstGeom>
+          <a:noFill/>
+        </p:spPr>
+        <p:txBody>
+          <a:bodyPr wrap="square" rtlCol="0">
+            <a:spAutoFit/>
+          </a:bodyPr>
+          <a:lstStyle/>
+          <a:p>
+            <a:pPr marL="285750" indent="-285750">
+              <a:buFont typeface="Arial" panose="020B0604020202020204" pitchFamily="34" charset="0"/>
+              <a:buChar char="•"/>
+            </a:pPr>
+            <a:r>
+              <a:rPr lang="zh-CN" altLang="en-US" dirty="0" smtClean="0"/>
+              <a:t>数据导入方式</a:t>
+            </a:r>
+            <a:endParaRPr lang="zh-CN" altLang="en-US" dirty="0"/>
+          </a:p>
+        </p:txBody>
+      </p:sp>
+    </p:spTree>
+    <p:extLst>
+      <p:ext uri="{BB962C8B-B14F-4D97-AF65-F5344CB8AC3E}">
+        <p14:creationId xmlns:p14="http://schemas.microsoft.com/office/powerpoint/2010/main" val="1171393005"/>
+      </p:ext>
+    </p:extLst>
+  </p:cSld>
+  <p:clrMapOvr>
+    <a:masterClrMapping/>
+  </p:clrMapOvr>
+  <p:timing>
+    <p:tnLst>
+      <p:par>
+        <p:cTn id="1" dur="indefinite" restart="never" nodeType="tmRoot"/>
+      </p:par>
+    </p:tnLst>
+  </p:timing>
+</p:sld>
+</file>
+
+<file path=ppt/slides/slide37.xml><?xml version="1.0" encoding="utf-8"?>
+<p:sld xmlns:a="http://schemas.openxmlformats.org/drawingml/2006/main" xmlns:r="http://schemas.openxmlformats.org/officeDocument/2006/relationships" xmlns:p="http://schemas.openxmlformats.org/presentationml/2006/main">
+  <p:cSld>
+    <p:spTree>
+      <p:nvGrpSpPr>
+        <p:cNvPr id="1" name=""/>
+        <p:cNvGrpSpPr/>
+        <p:nvPr/>
+      </p:nvGrpSpPr>
+      <p:grpSpPr>
+        <a:xfrm>
+          <a:off x="0" y="0"/>
+          <a:ext cx="0" cy="0"/>
+          <a:chOff x="0" y="0"/>
+          <a:chExt cx="0" cy="0"/>
+        </a:xfrm>
+      </p:grpSpPr>
+      <p:sp>
+        <p:nvSpPr>
+          <p:cNvPr id="2" name="标题 1"/>
+          <p:cNvSpPr>
+            <a:spLocks noGrp="1"/>
+          </p:cNvSpPr>
+          <p:nvPr>
+            <p:ph type="title"/>
+          </p:nvPr>
+        </p:nvSpPr>
+        <p:spPr/>
+        <p:txBody>
+          <a:bodyPr/>
+          <a:lstStyle/>
+          <a:p>
+            <a:r>
+              <a:rPr lang="en-US" altLang="zh-CN" dirty="0" smtClean="0"/>
+              <a:t>ETCD</a:t>
+            </a:r>
+            <a:r>
+              <a:rPr lang="zh-CN" altLang="en-US" dirty="0" smtClean="0"/>
+              <a:t>做配置中心</a:t>
+            </a:r>
+            <a:endParaRPr lang="zh-CN" altLang="en-US" dirty="0"/>
+          </a:p>
+        </p:txBody>
+      </p:sp>
+      <p:sp>
+        <p:nvSpPr>
+          <p:cNvPr id="3" name="内容占位符 2"/>
+          <p:cNvSpPr>
+            <a:spLocks noGrp="1"/>
+          </p:cNvSpPr>
+          <p:nvPr>
+            <p:ph sz="quarter" idx="13"/>
+          </p:nvPr>
+        </p:nvSpPr>
+        <p:spPr/>
+        <p:txBody>
+          <a:bodyPr/>
+          <a:lstStyle/>
+          <a:p>
+            <a:r>
+              <a:rPr lang="en-US" altLang="zh-CN" dirty="0" smtClean="0"/>
+              <a:t>ETCD + CONFD + NGINX</a:t>
+            </a:r>
+          </a:p>
+          <a:p>
+            <a:r>
+              <a:rPr lang="en-US" altLang="zh-CN" dirty="0" err="1" smtClean="0"/>
+              <a:t>Nginx</a:t>
+            </a:r>
+            <a:r>
+              <a:rPr lang="en-US" altLang="zh-CN" dirty="0" smtClean="0"/>
+              <a:t> </a:t>
+            </a:r>
+            <a:r>
+              <a:rPr lang="zh-CN" altLang="en-US" dirty="0" smtClean="0"/>
+              <a:t>配置模板：</a:t>
+            </a:r>
+            <a:endParaRPr lang="en-US" altLang="zh-CN" dirty="0" smtClean="0"/>
+          </a:p>
+          <a:p>
+            <a:endParaRPr lang="en-US" altLang="zh-CN" dirty="0"/>
+          </a:p>
+          <a:p>
+            <a:endParaRPr lang="en-US" altLang="zh-CN" dirty="0" smtClean="0"/>
+          </a:p>
+          <a:p>
+            <a:endParaRPr lang="en-US" altLang="zh-CN" dirty="0"/>
+          </a:p>
+          <a:p>
+            <a:endParaRPr lang="en-US" altLang="zh-CN" dirty="0" smtClean="0"/>
+          </a:p>
+          <a:p>
+            <a:r>
+              <a:rPr lang="en-US" altLang="zh-CN" dirty="0" smtClean="0"/>
+              <a:t>CONFD </a:t>
+            </a:r>
+            <a:r>
+              <a:rPr lang="zh-CN" altLang="en-US" dirty="0" smtClean="0"/>
+              <a:t>配置：</a:t>
+            </a:r>
+            <a:endParaRPr lang="en-US" altLang="zh-CN" dirty="0" smtClean="0"/>
+          </a:p>
+          <a:p>
+            <a:endParaRPr lang="en-US" altLang="zh-CN" dirty="0" smtClean="0"/>
+          </a:p>
+          <a:p>
+            <a:endParaRPr lang="zh-CN" altLang="en-US" dirty="0"/>
+          </a:p>
+        </p:txBody>
+      </p:sp>
+      <p:pic>
+        <p:nvPicPr>
+          <p:cNvPr id="2050" name="Picture 2"/>
+          <p:cNvPicPr>
+            <a:picLocks noChangeAspect="1" noChangeArrowheads="1"/>
+          </p:cNvPicPr>
+          <p:nvPr/>
+        </p:nvPicPr>
+        <p:blipFill>
+          <a:blip r:embed="rId2">
+            <a:extLst>
+              <a:ext uri="{28A0092B-C50C-407E-A947-70E740481C1C}">
+                <a14:useLocalDpi xmlns:a14="http://schemas.microsoft.com/office/drawing/2010/main" val="0"/>
+              </a:ext>
+            </a:extLst>
+          </a:blip>
+          <a:srcRect/>
+          <a:stretch>
+            <a:fillRect/>
+          </a:stretch>
+        </p:blipFill>
+        <p:spPr bwMode="auto">
+          <a:xfrm>
+            <a:off x="2627784" y="1988840"/>
+            <a:ext cx="5334000" cy="1657602"/>
+          </a:xfrm>
+          <a:prstGeom prst="rect">
+            <a:avLst/>
+          </a:prstGeom>
+          <a:noFill/>
+          <a:ln>
+            <a:noFill/>
+          </a:ln>
+          <a:extLst>
+            <a:ext uri="{909E8E84-426E-40DD-AFC4-6F175D3DCCD1}">
+              <a14:hiddenFill xmlns:a14="http://schemas.microsoft.com/office/drawing/2010/main">
+                <a:solidFill>
+                  <a:schemeClr val="accent1"/>
+                </a:solidFill>
+              </a14:hiddenFill>
+            </a:ext>
+            <a:ext uri="{91240B29-F687-4F45-9708-019B960494DF}">
+              <a14:hiddenLine xmlns:a14="http://schemas.microsoft.com/office/drawing/2010/main" w="9525">
+                <a:solidFill>
+                  <a:schemeClr val="tx1"/>
+                </a:solidFill>
+                <a:miter lim="800000"/>
+                <a:headEnd/>
+                <a:tailEnd/>
+              </a14:hiddenLine>
+            </a:ext>
+          </a:extLst>
+        </p:spPr>
+      </p:pic>
+      <p:pic>
+        <p:nvPicPr>
+          <p:cNvPr id="2051" name="Picture 3"/>
+          <p:cNvPicPr>
+            <a:picLocks noChangeAspect="1" noChangeArrowheads="1"/>
+          </p:cNvPicPr>
+          <p:nvPr/>
+        </p:nvPicPr>
+        <p:blipFill>
+          <a:blip r:embed="rId3">
+            <a:extLst>
+              <a:ext uri="{28A0092B-C50C-407E-A947-70E740481C1C}">
+                <a14:useLocalDpi xmlns:a14="http://schemas.microsoft.com/office/drawing/2010/main" val="0"/>
+              </a:ext>
+            </a:extLst>
+          </a:blip>
+          <a:srcRect/>
+          <a:stretch>
+            <a:fillRect/>
+          </a:stretch>
+        </p:blipFill>
+        <p:spPr bwMode="auto">
+          <a:xfrm>
+            <a:off x="2611868" y="3861048"/>
+            <a:ext cx="3781425" cy="1440161"/>
+          </a:xfrm>
+          <a:prstGeom prst="rect">
+            <a:avLst/>
+          </a:prstGeom>
+          <a:noFill/>
+          <a:ln>
+            <a:noFill/>
+          </a:ln>
+          <a:extLst>
+            <a:ext uri="{909E8E84-426E-40DD-AFC4-6F175D3DCCD1}">
+              <a14:hiddenFill xmlns:a14="http://schemas.microsoft.com/office/drawing/2010/main">
+                <a:solidFill>
+                  <a:schemeClr val="accent1"/>
+                </a:solidFill>
+              </a14:hiddenFill>
+            </a:ext>
+            <a:ext uri="{91240B29-F687-4F45-9708-019B960494DF}">
+              <a14:hiddenLine xmlns:a14="http://schemas.microsoft.com/office/drawing/2010/main" w="9525">
+                <a:solidFill>
+                  <a:schemeClr val="tx1"/>
+                </a:solidFill>
+                <a:miter lim="800000"/>
+                <a:headEnd/>
+                <a:tailEnd/>
+              </a14:hiddenLine>
+            </a:ext>
+          </a:extLst>
+        </p:spPr>
+      </p:pic>
+    </p:spTree>
+    <p:extLst>
+      <p:ext uri="{BB962C8B-B14F-4D97-AF65-F5344CB8AC3E}">
+        <p14:creationId xmlns:p14="http://schemas.microsoft.com/office/powerpoint/2010/main" val="3288316676"/>
+      </p:ext>
+    </p:extLst>
+  </p:cSld>
+  <p:clrMapOvr>
+    <a:masterClrMapping/>
+  </p:clrMapOvr>
+</p:sld>
+</file>
+
+<file path=ppt/slides/slide38.xml><?xml version="1.0" encoding="utf-8"?>
+<p:sld xmlns:a="http://schemas.openxmlformats.org/drawingml/2006/main" xmlns:r="http://schemas.openxmlformats.org/officeDocument/2006/relationships" xmlns:p="http://schemas.openxmlformats.org/presentationml/2006/main">
+  <p:cSld>
+    <p:spTree>
+      <p:nvGrpSpPr>
+        <p:cNvPr id="1" name=""/>
+        <p:cNvGrpSpPr/>
+        <p:nvPr/>
+      </p:nvGrpSpPr>
+      <p:grpSpPr>
+        <a:xfrm>
+          <a:off x="0" y="0"/>
+          <a:ext cx="0" cy="0"/>
+          <a:chOff x="0" y="0"/>
+          <a:chExt cx="0" cy="0"/>
+        </a:xfrm>
+      </p:grpSpPr>
+      <p:sp>
+        <p:nvSpPr>
+          <p:cNvPr id="2" name="标题 1"/>
+          <p:cNvSpPr>
+            <a:spLocks noGrp="1"/>
+          </p:cNvSpPr>
+          <p:nvPr>
+            <p:ph type="title"/>
+          </p:nvPr>
+        </p:nvSpPr>
+        <p:spPr/>
+        <p:txBody>
+          <a:bodyPr/>
+          <a:lstStyle/>
+          <a:p>
+            <a:r>
+              <a:rPr lang="en-US" altLang="zh-CN" dirty="0" smtClean="0"/>
+              <a:t>ETCD</a:t>
+            </a:r>
+            <a:r>
+              <a:rPr lang="zh-CN" altLang="en-US" dirty="0" smtClean="0"/>
+              <a:t>做配置中心</a:t>
+            </a:r>
+            <a:endParaRPr lang="zh-CN" altLang="en-US" dirty="0"/>
+          </a:p>
+        </p:txBody>
+      </p:sp>
+      <p:sp>
+        <p:nvSpPr>
+          <p:cNvPr id="3" name="内容占位符 2"/>
+          <p:cNvSpPr>
+            <a:spLocks noGrp="1"/>
+          </p:cNvSpPr>
+          <p:nvPr>
+            <p:ph sz="quarter" idx="13"/>
+          </p:nvPr>
+        </p:nvSpPr>
+        <p:spPr/>
+        <p:txBody>
+          <a:bodyPr/>
+          <a:lstStyle/>
+          <a:p>
+            <a:r>
+              <a:rPr lang="en-US" altLang="zh-CN" dirty="0" smtClean="0"/>
+              <a:t>ETCD + CONFD + NGINX</a:t>
+            </a:r>
+          </a:p>
+          <a:p>
+            <a:r>
+              <a:rPr lang="en-US" altLang="zh-CN" dirty="0" smtClean="0"/>
+              <a:t>ETCD</a:t>
+            </a:r>
+            <a:r>
+              <a:rPr lang="zh-CN" altLang="en-US" dirty="0" smtClean="0"/>
+              <a:t>写入数据：</a:t>
+            </a:r>
+            <a:endParaRPr lang="en-US" altLang="zh-CN" dirty="0" smtClean="0"/>
+          </a:p>
+          <a:p>
+            <a:endParaRPr lang="en-US" altLang="zh-CN" dirty="0"/>
+          </a:p>
+          <a:p>
+            <a:endParaRPr lang="en-US" altLang="zh-CN" dirty="0" smtClean="0"/>
+          </a:p>
+          <a:p>
+            <a:r>
+              <a:rPr lang="en-US" altLang="zh-CN" dirty="0" smtClean="0"/>
+              <a:t>CONFD </a:t>
+            </a:r>
+            <a:r>
+              <a:rPr lang="zh-CN" altLang="en-US" dirty="0"/>
+              <a:t>运行</a:t>
+            </a:r>
+            <a:r>
+              <a:rPr lang="zh-CN" altLang="en-US" dirty="0" smtClean="0"/>
+              <a:t>：</a:t>
+            </a:r>
+            <a:endParaRPr lang="en-US" altLang="zh-CN" dirty="0" smtClean="0"/>
+          </a:p>
+          <a:p>
+            <a:endParaRPr lang="en-US" altLang="zh-CN" dirty="0"/>
+          </a:p>
+          <a:p>
+            <a:endParaRPr lang="en-US" altLang="zh-CN" dirty="0" smtClean="0"/>
+          </a:p>
+          <a:p>
+            <a:r>
+              <a:rPr lang="zh-CN" altLang="en-US" dirty="0" smtClean="0"/>
+              <a:t>结果：</a:t>
+            </a:r>
+            <a:endParaRPr lang="en-US" altLang="zh-CN" dirty="0" smtClean="0"/>
+          </a:p>
+          <a:p>
+            <a:endParaRPr lang="en-US" altLang="zh-CN" dirty="0" smtClean="0"/>
+          </a:p>
+          <a:p>
+            <a:endParaRPr lang="zh-CN" altLang="en-US" dirty="0"/>
+          </a:p>
+        </p:txBody>
+      </p:sp>
+      <p:pic>
+        <p:nvPicPr>
+          <p:cNvPr id="3074" name="Picture 2"/>
+          <p:cNvPicPr>
+            <a:picLocks noChangeAspect="1" noChangeArrowheads="1"/>
+          </p:cNvPicPr>
+          <p:nvPr/>
+        </p:nvPicPr>
+        <p:blipFill>
+          <a:blip r:embed="rId2">
+            <a:extLst>
+              <a:ext uri="{28A0092B-C50C-407E-A947-70E740481C1C}">
+                <a14:useLocalDpi xmlns:a14="http://schemas.microsoft.com/office/drawing/2010/main" val="0"/>
+              </a:ext>
+            </a:extLst>
+          </a:blip>
+          <a:srcRect/>
+          <a:stretch>
+            <a:fillRect/>
+          </a:stretch>
+        </p:blipFill>
+        <p:spPr bwMode="auto">
+          <a:xfrm>
+            <a:off x="2555776" y="1995181"/>
+            <a:ext cx="4324350" cy="752475"/>
+          </a:xfrm>
+          <a:prstGeom prst="rect">
+            <a:avLst/>
+          </a:prstGeom>
+          <a:noFill/>
+          <a:ln>
+            <a:noFill/>
+          </a:ln>
+          <a:extLst>
+            <a:ext uri="{909E8E84-426E-40DD-AFC4-6F175D3DCCD1}">
+              <a14:hiddenFill xmlns:a14="http://schemas.microsoft.com/office/drawing/2010/main">
+                <a:solidFill>
+                  <a:schemeClr val="accent1"/>
+                </a:solidFill>
+              </a14:hiddenFill>
+            </a:ext>
+            <a:ext uri="{91240B29-F687-4F45-9708-019B960494DF}">
+              <a14:hiddenLine xmlns:a14="http://schemas.microsoft.com/office/drawing/2010/main" w="9525">
+                <a:solidFill>
+                  <a:schemeClr val="tx1"/>
+                </a:solidFill>
+                <a:miter lim="800000"/>
+                <a:headEnd/>
+                <a:tailEnd/>
+              </a14:hiddenLine>
+            </a:ext>
+          </a:extLst>
+        </p:spPr>
+      </p:pic>
+      <p:pic>
+        <p:nvPicPr>
+          <p:cNvPr id="3077" name="Picture 5"/>
+          <p:cNvPicPr>
+            <a:picLocks noChangeAspect="1" noChangeArrowheads="1"/>
+          </p:cNvPicPr>
+          <p:nvPr/>
+        </p:nvPicPr>
+        <p:blipFill>
+          <a:blip r:embed="rId3">
+            <a:extLst>
+              <a:ext uri="{28A0092B-C50C-407E-A947-70E740481C1C}">
+                <a14:useLocalDpi xmlns:a14="http://schemas.microsoft.com/office/drawing/2010/main" val="0"/>
+              </a:ext>
+            </a:extLst>
+          </a:blip>
+          <a:srcRect/>
+          <a:stretch>
+            <a:fillRect/>
+          </a:stretch>
+        </p:blipFill>
+        <p:spPr bwMode="auto">
+          <a:xfrm>
+            <a:off x="1908189" y="4149080"/>
+            <a:ext cx="5184091" cy="1728192"/>
+          </a:xfrm>
+          <a:prstGeom prst="rect">
+            <a:avLst/>
+          </a:prstGeom>
+          <a:noFill/>
+          <a:ln>
+            <a:noFill/>
+          </a:ln>
+          <a:extLst>
+            <a:ext uri="{909E8E84-426E-40DD-AFC4-6F175D3DCCD1}">
+              <a14:hiddenFill xmlns:a14="http://schemas.microsoft.com/office/drawing/2010/main">
+                <a:solidFill>
+                  <a:schemeClr val="accent1"/>
+                </a:solidFill>
+              </a14:hiddenFill>
+            </a:ext>
+            <a:ext uri="{91240B29-F687-4F45-9708-019B960494DF}">
+              <a14:hiddenLine xmlns:a14="http://schemas.microsoft.com/office/drawing/2010/main" w="9525">
+                <a:solidFill>
+                  <a:schemeClr val="tx1"/>
+                </a:solidFill>
+                <a:miter lim="800000"/>
+                <a:headEnd/>
+                <a:tailEnd/>
+              </a14:hiddenLine>
+            </a:ext>
+          </a:extLst>
+        </p:spPr>
+      </p:pic>
+      <p:pic>
+        <p:nvPicPr>
+          <p:cNvPr id="3078" name="Picture 6"/>
+          <p:cNvPicPr>
+            <a:picLocks noChangeAspect="1" noChangeArrowheads="1"/>
+          </p:cNvPicPr>
+          <p:nvPr/>
+        </p:nvPicPr>
+        <p:blipFill>
+          <a:blip r:embed="rId4">
+            <a:extLst>
+              <a:ext uri="{28A0092B-C50C-407E-A947-70E740481C1C}">
+                <a14:useLocalDpi xmlns:a14="http://schemas.microsoft.com/office/drawing/2010/main" val="0"/>
+              </a:ext>
+            </a:extLst>
+          </a:blip>
+          <a:srcRect/>
+          <a:stretch>
+            <a:fillRect/>
+          </a:stretch>
+        </p:blipFill>
+        <p:spPr bwMode="auto">
+          <a:xfrm>
+            <a:off x="2267744" y="2862261"/>
+            <a:ext cx="6768752" cy="1133475"/>
+          </a:xfrm>
+          <a:prstGeom prst="rect">
+            <a:avLst/>
+          </a:prstGeom>
+          <a:noFill/>
+          <a:ln>
+            <a:noFill/>
+          </a:ln>
+          <a:extLst>
+            <a:ext uri="{909E8E84-426E-40DD-AFC4-6F175D3DCCD1}">
+              <a14:hiddenFill xmlns:a14="http://schemas.microsoft.com/office/drawing/2010/main">
+                <a:solidFill>
+                  <a:schemeClr val="accent1"/>
+                </a:solidFill>
+              </a14:hiddenFill>
+            </a:ext>
+            <a:ext uri="{91240B29-F687-4F45-9708-019B960494DF}">
+              <a14:hiddenLine xmlns:a14="http://schemas.microsoft.com/office/drawing/2010/main" w="9525">
+                <a:solidFill>
+                  <a:schemeClr val="tx1"/>
+                </a:solidFill>
+                <a:miter lim="800000"/>
+                <a:headEnd/>
+                <a:tailEnd/>
+              </a14:hiddenLine>
+            </a:ext>
+          </a:extLst>
+        </p:spPr>
+      </p:pic>
+    </p:spTree>
+    <p:extLst>
+      <p:ext uri="{BB962C8B-B14F-4D97-AF65-F5344CB8AC3E}">
+        <p14:creationId xmlns:p14="http://schemas.microsoft.com/office/powerpoint/2010/main" val="1879353777"/>
+      </p:ext>
+    </p:extLst>
+  </p:cSld>
+  <p:clrMapOvr>
+    <a:masterClrMapping/>
+  </p:clrMapOvr>
+</p:sld>
+</file>
+
+<file path=ppt/slides/slide39.xml><?xml version="1.0" encoding="utf-8"?>
+<p:sld xmlns:a="http://schemas.openxmlformats.org/drawingml/2006/main" xmlns:r="http://schemas.openxmlformats.org/officeDocument/2006/relationships" xmlns:p="http://schemas.openxmlformats.org/presentationml/2006/main">
+  <p:cSld>
+    <p:spTree>
+      <p:nvGrpSpPr>
+        <p:cNvPr id="1" name=""/>
+        <p:cNvGrpSpPr/>
+        <p:nvPr/>
+      </p:nvGrpSpPr>
+      <p:grpSpPr>
+        <a:xfrm>
+          <a:off x="0" y="0"/>
+          <a:ext cx="0" cy="0"/>
+          <a:chOff x="0" y="0"/>
+          <a:chExt cx="0" cy="0"/>
+        </a:xfrm>
+      </p:grpSpPr>
+      <p:sp>
+        <p:nvSpPr>
+          <p:cNvPr id="2" name="标题 1"/>
+          <p:cNvSpPr>
+            <a:spLocks noGrp="1"/>
+          </p:cNvSpPr>
+          <p:nvPr>
+            <p:ph type="title"/>
+          </p:nvPr>
+        </p:nvSpPr>
+        <p:spPr/>
+        <p:txBody>
+          <a:bodyPr/>
+          <a:lstStyle/>
+          <a:p>
+            <a:r>
+              <a:rPr lang="en-US" altLang="zh-CN" dirty="0" err="1" smtClean="0"/>
+              <a:t>Etcd</a:t>
+            </a:r>
+            <a:r>
+              <a:rPr lang="zh-CN" altLang="en-US" dirty="0" smtClean="0"/>
+              <a:t>做服务发现</a:t>
+            </a:r>
+            <a:endParaRPr lang="zh-CN" altLang="en-US" dirty="0"/>
+          </a:p>
+        </p:txBody>
+      </p:sp>
+      <p:sp>
+        <p:nvSpPr>
+          <p:cNvPr id="3" name="内容占位符 2"/>
+          <p:cNvSpPr>
+            <a:spLocks noGrp="1"/>
+          </p:cNvSpPr>
+          <p:nvPr>
+            <p:ph sz="quarter" idx="13"/>
+          </p:nvPr>
+        </p:nvSpPr>
+        <p:spPr/>
+        <p:txBody>
+          <a:bodyPr/>
+          <a:lstStyle/>
+          <a:p>
+            <a:r>
+              <a:rPr lang="zh-CN" altLang="en-US" dirty="0" smtClean="0"/>
+              <a:t>现状：上层服务通过读取配置指定后端服务的</a:t>
+            </a:r>
+            <a:r>
+              <a:rPr lang="en-US" altLang="zh-CN" dirty="0" smtClean="0"/>
+              <a:t>IP</a:t>
+            </a:r>
+            <a:r>
+              <a:rPr lang="zh-CN" altLang="en-US" dirty="0" smtClean="0"/>
+              <a:t>端口，增加删除修改服务地址都要手动修改配置，服务部署不方便</a:t>
+            </a:r>
+            <a:endParaRPr lang="en-US" altLang="zh-CN" dirty="0" smtClean="0"/>
+          </a:p>
+          <a:p>
+            <a:r>
+              <a:rPr lang="zh-CN" altLang="en-US" dirty="0" smtClean="0"/>
+              <a:t>服务发现提供自动感知的功能</a:t>
+            </a:r>
+            <a:endParaRPr lang="en-US" altLang="zh-CN" dirty="0" smtClean="0"/>
+          </a:p>
+          <a:p>
+            <a:r>
+              <a:rPr lang="zh-CN" altLang="en-US" dirty="0" smtClean="0"/>
+              <a:t>改造后的</a:t>
+            </a:r>
+            <a:r>
+              <a:rPr lang="en-US" altLang="zh-CN" dirty="0" smtClean="0"/>
+              <a:t>ID_GEN_SERVER</a:t>
+            </a:r>
+            <a:r>
+              <a:rPr lang="zh-CN" altLang="en-US" dirty="0" smtClean="0"/>
+              <a:t>为例：</a:t>
+            </a:r>
+            <a:endParaRPr lang="en-US" altLang="zh-CN" dirty="0"/>
+          </a:p>
+          <a:p>
+            <a:pPr lvl="1"/>
+            <a:r>
+              <a:rPr lang="zh-CN" altLang="en-US" dirty="0" smtClean="0"/>
+              <a:t>启动时创建</a:t>
+            </a:r>
+            <a:r>
+              <a:rPr lang="en-US" altLang="zh-CN" dirty="0" err="1" smtClean="0"/>
+              <a:t>registerWithEtcd</a:t>
+            </a:r>
+            <a:r>
+              <a:rPr lang="zh-CN" altLang="en-US" dirty="0" smtClean="0"/>
+              <a:t>线程</a:t>
+            </a:r>
+            <a:endParaRPr lang="en-US" altLang="zh-CN" dirty="0" smtClean="0"/>
+          </a:p>
+          <a:p>
+            <a:pPr lvl="1"/>
+            <a:endParaRPr lang="en-US" altLang="zh-CN" dirty="0"/>
+          </a:p>
+          <a:p>
+            <a:endParaRPr lang="zh-CN" altLang="en-US" dirty="0"/>
+          </a:p>
+        </p:txBody>
+      </p:sp>
+      <p:pic>
+        <p:nvPicPr>
+          <p:cNvPr id="4098" name="Picture 2"/>
+          <p:cNvPicPr>
+            <a:picLocks noChangeAspect="1" noChangeArrowheads="1"/>
+          </p:cNvPicPr>
+          <p:nvPr/>
+        </p:nvPicPr>
+        <p:blipFill>
+          <a:blip r:embed="rId2">
+            <a:extLst>
+              <a:ext uri="{28A0092B-C50C-407E-A947-70E740481C1C}">
+                <a14:useLocalDpi xmlns:a14="http://schemas.microsoft.com/office/drawing/2010/main" val="0"/>
+              </a:ext>
+            </a:extLst>
+          </a:blip>
+          <a:srcRect/>
+          <a:stretch>
+            <a:fillRect/>
+          </a:stretch>
+        </p:blipFill>
+        <p:spPr bwMode="auto">
+          <a:xfrm>
+            <a:off x="1331640" y="3429000"/>
+            <a:ext cx="5943600" cy="1562100"/>
+          </a:xfrm>
+          <a:prstGeom prst="rect">
+            <a:avLst/>
+          </a:prstGeom>
+          <a:noFill/>
+          <a:ln>
+            <a:noFill/>
+          </a:ln>
+          <a:extLst>
+            <a:ext uri="{909E8E84-426E-40DD-AFC4-6F175D3DCCD1}">
+              <a14:hiddenFill xmlns:a14="http://schemas.microsoft.com/office/drawing/2010/main">
+                <a:solidFill>
+                  <a:schemeClr val="accent1"/>
+                </a:solidFill>
+              </a14:hiddenFill>
+            </a:ext>
+            <a:ext uri="{91240B29-F687-4F45-9708-019B960494DF}">
+              <a14:hiddenLine xmlns:a14="http://schemas.microsoft.com/office/drawing/2010/main" w="9525">
+                <a:solidFill>
+                  <a:schemeClr val="tx1"/>
+                </a:solidFill>
+                <a:miter lim="800000"/>
+                <a:headEnd/>
+                <a:tailEnd/>
+              </a14:hiddenLine>
+            </a:ext>
+          </a:extLst>
+        </p:spPr>
+      </p:pic>
+    </p:spTree>
+    <p:extLst>
+      <p:ext uri="{BB962C8B-B14F-4D97-AF65-F5344CB8AC3E}">
+        <p14:creationId xmlns:p14="http://schemas.microsoft.com/office/powerpoint/2010/main" val="4120712768"/>
       </p:ext>
     </p:extLst>
   </p:cSld>
@@ -10708,6 +12147,537 @@
     <p:extLst>
       <p:ext uri="{BB962C8B-B14F-4D97-AF65-F5344CB8AC3E}">
         <p14:creationId xmlns:p14="http://schemas.microsoft.com/office/powerpoint/2010/main" val="2702281034"/>
+      </p:ext>
+    </p:extLst>
+  </p:cSld>
+  <p:clrMapOvr>
+    <a:masterClrMapping/>
+  </p:clrMapOvr>
+</p:sld>
+</file>
+
+<file path=ppt/slides/slide40.xml><?xml version="1.0" encoding="utf-8"?>
+<p:sld xmlns:a="http://schemas.openxmlformats.org/drawingml/2006/main" xmlns:r="http://schemas.openxmlformats.org/officeDocument/2006/relationships" xmlns:p="http://schemas.openxmlformats.org/presentationml/2006/main">
+  <p:cSld>
+    <p:spTree>
+      <p:nvGrpSpPr>
+        <p:cNvPr id="1" name=""/>
+        <p:cNvGrpSpPr/>
+        <p:nvPr/>
+      </p:nvGrpSpPr>
+      <p:grpSpPr>
+        <a:xfrm>
+          <a:off x="0" y="0"/>
+          <a:ext cx="0" cy="0"/>
+          <a:chOff x="0" y="0"/>
+          <a:chExt cx="0" cy="0"/>
+        </a:xfrm>
+      </p:grpSpPr>
+      <p:sp>
+        <p:nvSpPr>
+          <p:cNvPr id="2" name="标题 1"/>
+          <p:cNvSpPr>
+            <a:spLocks noGrp="1"/>
+          </p:cNvSpPr>
+          <p:nvPr>
+            <p:ph type="title"/>
+          </p:nvPr>
+        </p:nvSpPr>
+        <p:spPr/>
+        <p:txBody>
+          <a:bodyPr/>
+          <a:lstStyle/>
+          <a:p>
+            <a:r>
+              <a:rPr lang="en-US" altLang="zh-CN" dirty="0" err="1" smtClean="0"/>
+              <a:t>Etcd</a:t>
+            </a:r>
+            <a:r>
+              <a:rPr lang="zh-CN" altLang="en-US" dirty="0" smtClean="0"/>
+              <a:t>做服务发现</a:t>
+            </a:r>
+            <a:endParaRPr lang="zh-CN" altLang="en-US" dirty="0"/>
+          </a:p>
+        </p:txBody>
+      </p:sp>
+      <p:sp>
+        <p:nvSpPr>
+          <p:cNvPr id="3" name="内容占位符 2"/>
+          <p:cNvSpPr>
+            <a:spLocks noGrp="1"/>
+          </p:cNvSpPr>
+          <p:nvPr>
+            <p:ph sz="quarter" idx="13"/>
+          </p:nvPr>
+        </p:nvSpPr>
+        <p:spPr/>
+        <p:txBody>
+          <a:bodyPr/>
+          <a:lstStyle/>
+          <a:p>
+            <a:pPr lvl="1"/>
+            <a:r>
+              <a:rPr lang="en-US" altLang="zh-CN" dirty="0" smtClean="0"/>
+              <a:t>ETCD:</a:t>
+            </a:r>
+            <a:endParaRPr lang="en-US" altLang="zh-CN" dirty="0"/>
+          </a:p>
+          <a:p>
+            <a:endParaRPr lang="zh-CN" altLang="en-US" dirty="0"/>
+          </a:p>
+        </p:txBody>
+      </p:sp>
+      <p:pic>
+        <p:nvPicPr>
+          <p:cNvPr id="5123" name="Picture 3"/>
+          <p:cNvPicPr>
+            <a:picLocks noChangeAspect="1" noChangeArrowheads="1"/>
+          </p:cNvPicPr>
+          <p:nvPr/>
+        </p:nvPicPr>
+        <p:blipFill>
+          <a:blip r:embed="rId2">
+            <a:extLst>
+              <a:ext uri="{28A0092B-C50C-407E-A947-70E740481C1C}">
+                <a14:useLocalDpi xmlns:a14="http://schemas.microsoft.com/office/drawing/2010/main" val="0"/>
+              </a:ext>
+            </a:extLst>
+          </a:blip>
+          <a:srcRect/>
+          <a:stretch>
+            <a:fillRect/>
+          </a:stretch>
+        </p:blipFill>
+        <p:spPr bwMode="auto">
+          <a:xfrm>
+            <a:off x="1187624" y="1916831"/>
+            <a:ext cx="6162675" cy="4467225"/>
+          </a:xfrm>
+          <a:prstGeom prst="rect">
+            <a:avLst/>
+          </a:prstGeom>
+          <a:noFill/>
+          <a:ln>
+            <a:noFill/>
+          </a:ln>
+          <a:extLst>
+            <a:ext uri="{909E8E84-426E-40DD-AFC4-6F175D3DCCD1}">
+              <a14:hiddenFill xmlns:a14="http://schemas.microsoft.com/office/drawing/2010/main">
+                <a:solidFill>
+                  <a:schemeClr val="accent1"/>
+                </a:solidFill>
+              </a14:hiddenFill>
+            </a:ext>
+            <a:ext uri="{91240B29-F687-4F45-9708-019B960494DF}">
+              <a14:hiddenLine xmlns:a14="http://schemas.microsoft.com/office/drawing/2010/main" w="9525">
+                <a:solidFill>
+                  <a:schemeClr val="tx1"/>
+                </a:solidFill>
+                <a:miter lim="800000"/>
+                <a:headEnd/>
+                <a:tailEnd/>
+              </a14:hiddenLine>
+            </a:ext>
+          </a:extLst>
+        </p:spPr>
+      </p:pic>
+    </p:spTree>
+    <p:extLst>
+      <p:ext uri="{BB962C8B-B14F-4D97-AF65-F5344CB8AC3E}">
+        <p14:creationId xmlns:p14="http://schemas.microsoft.com/office/powerpoint/2010/main" val="286973489"/>
+      </p:ext>
+    </p:extLst>
+  </p:cSld>
+  <p:clrMapOvr>
+    <a:masterClrMapping/>
+  </p:clrMapOvr>
+  <p:timing>
+    <p:tnLst>
+      <p:par>
+        <p:cTn id="1" dur="indefinite" restart="never" nodeType="tmRoot"/>
+      </p:par>
+    </p:tnLst>
+  </p:timing>
+</p:sld>
+</file>
+
+<file path=ppt/slides/slide41.xml><?xml version="1.0" encoding="utf-8"?>
+<p:sld xmlns:a="http://schemas.openxmlformats.org/drawingml/2006/main" xmlns:r="http://schemas.openxmlformats.org/officeDocument/2006/relationships" xmlns:p="http://schemas.openxmlformats.org/presentationml/2006/main">
+  <p:cSld>
+    <p:spTree>
+      <p:nvGrpSpPr>
+        <p:cNvPr id="1" name=""/>
+        <p:cNvGrpSpPr/>
+        <p:nvPr/>
+      </p:nvGrpSpPr>
+      <p:grpSpPr>
+        <a:xfrm>
+          <a:off x="0" y="0"/>
+          <a:ext cx="0" cy="0"/>
+          <a:chOff x="0" y="0"/>
+          <a:chExt cx="0" cy="0"/>
+        </a:xfrm>
+      </p:grpSpPr>
+      <p:sp>
+        <p:nvSpPr>
+          <p:cNvPr id="2" name="标题 1"/>
+          <p:cNvSpPr>
+            <a:spLocks noGrp="1"/>
+          </p:cNvSpPr>
+          <p:nvPr>
+            <p:ph type="title"/>
+          </p:nvPr>
+        </p:nvSpPr>
+        <p:spPr/>
+        <p:txBody>
+          <a:bodyPr/>
+          <a:lstStyle/>
+          <a:p>
+            <a:r>
+              <a:rPr lang="en-US" altLang="zh-CN" dirty="0" err="1" smtClean="0"/>
+              <a:t>Etcd</a:t>
+            </a:r>
+            <a:r>
+              <a:rPr lang="zh-CN" altLang="en-US" dirty="0" smtClean="0"/>
+              <a:t>做服务发现</a:t>
+            </a:r>
+            <a:endParaRPr lang="zh-CN" altLang="en-US" dirty="0"/>
+          </a:p>
+        </p:txBody>
+      </p:sp>
+      <p:sp>
+        <p:nvSpPr>
+          <p:cNvPr id="3" name="内容占位符 2"/>
+          <p:cNvSpPr>
+            <a:spLocks noGrp="1"/>
+          </p:cNvSpPr>
+          <p:nvPr>
+            <p:ph sz="quarter" idx="13"/>
+          </p:nvPr>
+        </p:nvSpPr>
+        <p:spPr/>
+        <p:txBody>
+          <a:bodyPr/>
+          <a:lstStyle/>
+          <a:p>
+            <a:pPr lvl="1"/>
+            <a:r>
+              <a:rPr lang="en-US" altLang="zh-CN" dirty="0"/>
+              <a:t>client</a:t>
+            </a:r>
+            <a:r>
+              <a:rPr lang="zh-CN" altLang="en-US" dirty="0" smtClean="0"/>
+              <a:t>端，</a:t>
+            </a:r>
+            <a:r>
+              <a:rPr lang="en-US" altLang="zh-CN" dirty="0" smtClean="0"/>
+              <a:t>LTP</a:t>
+            </a:r>
+            <a:r>
+              <a:rPr lang="zh-CN" altLang="en-US" dirty="0" smtClean="0"/>
+              <a:t>为例：</a:t>
+            </a:r>
+            <a:endParaRPr lang="en-US" altLang="zh-CN" dirty="0" smtClean="0"/>
+          </a:p>
+          <a:p>
+            <a:pPr lvl="1"/>
+            <a:endParaRPr lang="en-US" altLang="zh-CN" dirty="0"/>
+          </a:p>
+          <a:p>
+            <a:endParaRPr lang="zh-CN" altLang="en-US" dirty="0"/>
+          </a:p>
+        </p:txBody>
+      </p:sp>
+      <p:pic>
+        <p:nvPicPr>
+          <p:cNvPr id="6147" name="Picture 3"/>
+          <p:cNvPicPr>
+            <a:picLocks noChangeAspect="1" noChangeArrowheads="1"/>
+          </p:cNvPicPr>
+          <p:nvPr/>
+        </p:nvPicPr>
+        <p:blipFill>
+          <a:blip r:embed="rId2">
+            <a:extLst>
+              <a:ext uri="{28A0092B-C50C-407E-A947-70E740481C1C}">
+                <a14:useLocalDpi xmlns:a14="http://schemas.microsoft.com/office/drawing/2010/main" val="0"/>
+              </a:ext>
+            </a:extLst>
+          </a:blip>
+          <a:srcRect/>
+          <a:stretch>
+            <a:fillRect/>
+          </a:stretch>
+        </p:blipFill>
+        <p:spPr bwMode="auto">
+          <a:xfrm>
+            <a:off x="0" y="1920846"/>
+            <a:ext cx="9144000" cy="3971925"/>
+          </a:xfrm>
+          <a:prstGeom prst="rect">
+            <a:avLst/>
+          </a:prstGeom>
+          <a:noFill/>
+          <a:ln>
+            <a:noFill/>
+          </a:ln>
+          <a:extLst>
+            <a:ext uri="{909E8E84-426E-40DD-AFC4-6F175D3DCCD1}">
+              <a14:hiddenFill xmlns:a14="http://schemas.microsoft.com/office/drawing/2010/main">
+                <a:solidFill>
+                  <a:schemeClr val="accent1"/>
+                </a:solidFill>
+              </a14:hiddenFill>
+            </a:ext>
+            <a:ext uri="{91240B29-F687-4F45-9708-019B960494DF}">
+              <a14:hiddenLine xmlns:a14="http://schemas.microsoft.com/office/drawing/2010/main" w="9525">
+                <a:solidFill>
+                  <a:schemeClr val="tx1"/>
+                </a:solidFill>
+                <a:miter lim="800000"/>
+                <a:headEnd/>
+                <a:tailEnd/>
+              </a14:hiddenLine>
+            </a:ext>
+          </a:extLst>
+        </p:spPr>
+      </p:pic>
+    </p:spTree>
+    <p:extLst>
+      <p:ext uri="{BB962C8B-B14F-4D97-AF65-F5344CB8AC3E}">
+        <p14:creationId xmlns:p14="http://schemas.microsoft.com/office/powerpoint/2010/main" val="2579905694"/>
+      </p:ext>
+    </p:extLst>
+  </p:cSld>
+  <p:clrMapOvr>
+    <a:masterClrMapping/>
+  </p:clrMapOvr>
+  <p:timing>
+    <p:tnLst>
+      <p:par>
+        <p:cTn id="1" dur="indefinite" restart="never" nodeType="tmRoot"/>
+      </p:par>
+    </p:tnLst>
+  </p:timing>
+</p:sld>
+</file>
+
+<file path=ppt/slides/slide42.xml><?xml version="1.0" encoding="utf-8"?>
+<p:sld xmlns:a="http://schemas.openxmlformats.org/drawingml/2006/main" xmlns:r="http://schemas.openxmlformats.org/officeDocument/2006/relationships" xmlns:p="http://schemas.openxmlformats.org/presentationml/2006/main">
+  <p:cSld>
+    <p:spTree>
+      <p:nvGrpSpPr>
+        <p:cNvPr id="1" name=""/>
+        <p:cNvGrpSpPr/>
+        <p:nvPr/>
+      </p:nvGrpSpPr>
+      <p:grpSpPr>
+        <a:xfrm>
+          <a:off x="0" y="0"/>
+          <a:ext cx="0" cy="0"/>
+          <a:chOff x="0" y="0"/>
+          <a:chExt cx="0" cy="0"/>
+        </a:xfrm>
+      </p:grpSpPr>
+      <p:sp>
+        <p:nvSpPr>
+          <p:cNvPr id="2" name="标题 1"/>
+          <p:cNvSpPr>
+            <a:spLocks noGrp="1"/>
+          </p:cNvSpPr>
+          <p:nvPr>
+            <p:ph type="title"/>
+          </p:nvPr>
+        </p:nvSpPr>
+        <p:spPr/>
+        <p:txBody>
+          <a:bodyPr/>
+          <a:lstStyle/>
+          <a:p>
+            <a:r>
+              <a:rPr lang="en-US" altLang="zh-CN" dirty="0" err="1" smtClean="0"/>
+              <a:t>Etcd</a:t>
+            </a:r>
+            <a:r>
+              <a:rPr lang="zh-CN" altLang="en-US" dirty="0" smtClean="0"/>
+              <a:t>相关命令</a:t>
+            </a:r>
+            <a:endParaRPr lang="zh-CN" altLang="en-US" dirty="0"/>
+          </a:p>
+        </p:txBody>
+      </p:sp>
+      <p:sp>
+        <p:nvSpPr>
+          <p:cNvPr id="3" name="内容占位符 2"/>
+          <p:cNvSpPr>
+            <a:spLocks noGrp="1"/>
+          </p:cNvSpPr>
+          <p:nvPr>
+            <p:ph sz="quarter" idx="13"/>
+          </p:nvPr>
+        </p:nvSpPr>
+        <p:spPr/>
+        <p:txBody>
+          <a:bodyPr/>
+          <a:lstStyle/>
+          <a:p>
+            <a:r>
+              <a:rPr lang="en-US" altLang="zh-CN" dirty="0" smtClean="0"/>
+              <a:t>ETCDCTL</a:t>
+            </a:r>
+            <a:r>
+              <a:rPr lang="zh-CN" altLang="en-US" dirty="0" smtClean="0"/>
+              <a:t>：</a:t>
+            </a:r>
+            <a:endParaRPr lang="en-US" altLang="zh-CN" dirty="0" smtClean="0"/>
+          </a:p>
+          <a:p>
+            <a:endParaRPr lang="en-US" altLang="zh-CN" dirty="0"/>
+          </a:p>
+          <a:p>
+            <a:r>
+              <a:rPr lang="en-US" altLang="zh-CN" dirty="0" smtClean="0"/>
+              <a:t>CURL</a:t>
+            </a:r>
+            <a:r>
+              <a:rPr lang="zh-CN" altLang="en-US" dirty="0" smtClean="0"/>
+              <a:t>：</a:t>
+            </a:r>
+            <a:endParaRPr lang="zh-CN" altLang="en-US" dirty="0"/>
+          </a:p>
+        </p:txBody>
+      </p:sp>
+    </p:spTree>
+    <p:extLst>
+      <p:ext uri="{BB962C8B-B14F-4D97-AF65-F5344CB8AC3E}">
+        <p14:creationId xmlns:p14="http://schemas.microsoft.com/office/powerpoint/2010/main" val="3214575600"/>
+      </p:ext>
+    </p:extLst>
+  </p:cSld>
+  <p:clrMapOvr>
+    <a:masterClrMapping/>
+  </p:clrMapOvr>
+  <p:timing>
+    <p:tnLst>
+      <p:par>
+        <p:cTn id="1" dur="indefinite" restart="never" nodeType="tmRoot"/>
+      </p:par>
+    </p:tnLst>
+  </p:timing>
+</p:sld>
+</file>
+
+<file path=ppt/slides/slide43.xml><?xml version="1.0" encoding="utf-8"?>
+<p:sld xmlns:a="http://schemas.openxmlformats.org/drawingml/2006/main" xmlns:r="http://schemas.openxmlformats.org/officeDocument/2006/relationships" xmlns:p="http://schemas.openxmlformats.org/presentationml/2006/main">
+  <p:cSld>
+    <p:spTree>
+      <p:nvGrpSpPr>
+        <p:cNvPr id="1" name=""/>
+        <p:cNvGrpSpPr/>
+        <p:nvPr/>
+      </p:nvGrpSpPr>
+      <p:grpSpPr>
+        <a:xfrm>
+          <a:off x="0" y="0"/>
+          <a:ext cx="0" cy="0"/>
+          <a:chOff x="0" y="0"/>
+          <a:chExt cx="0" cy="0"/>
+        </a:xfrm>
+      </p:grpSpPr>
+      <p:sp>
+        <p:nvSpPr>
+          <p:cNvPr id="2" name="标题 1"/>
+          <p:cNvSpPr>
+            <a:spLocks noGrp="1"/>
+          </p:cNvSpPr>
+          <p:nvPr>
+            <p:ph type="title"/>
+          </p:nvPr>
+        </p:nvSpPr>
+        <p:spPr/>
+        <p:txBody>
+          <a:bodyPr/>
+          <a:lstStyle/>
+          <a:p>
+            <a:r>
+              <a:rPr lang="en-US" altLang="zh-CN" dirty="0" smtClean="0"/>
+              <a:t>ETCD</a:t>
+            </a:r>
+            <a:r>
+              <a:rPr lang="zh-CN" altLang="en-US" dirty="0" smtClean="0"/>
+              <a:t>使用过程的的一些问题</a:t>
+            </a:r>
+            <a:endParaRPr lang="zh-CN" altLang="en-US" dirty="0"/>
+          </a:p>
+        </p:txBody>
+      </p:sp>
+      <p:sp>
+        <p:nvSpPr>
+          <p:cNvPr id="3" name="内容占位符 2"/>
+          <p:cNvSpPr>
+            <a:spLocks noGrp="1"/>
+          </p:cNvSpPr>
+          <p:nvPr>
+            <p:ph sz="quarter" idx="13"/>
+          </p:nvPr>
+        </p:nvSpPr>
+        <p:spPr/>
+        <p:txBody>
+          <a:bodyPr/>
+          <a:lstStyle/>
+          <a:p>
+            <a:r>
+              <a:rPr lang="en-US" altLang="zh-CN" dirty="0" smtClean="0"/>
+              <a:t>1. </a:t>
+            </a:r>
+            <a:r>
+              <a:rPr lang="zh-CN" altLang="en-US" dirty="0" smtClean="0"/>
+              <a:t>服务发现时的</a:t>
+            </a:r>
+            <a:r>
+              <a:rPr lang="en-US" altLang="zh-CN" dirty="0" smtClean="0"/>
+              <a:t>watch</a:t>
+            </a:r>
+            <a:r>
+              <a:rPr lang="zh-CN" altLang="en-US" dirty="0" smtClean="0"/>
+              <a:t>问题</a:t>
+            </a:r>
+            <a:endParaRPr lang="en-US" altLang="zh-CN" dirty="0" smtClean="0"/>
+          </a:p>
+          <a:p>
+            <a:endParaRPr lang="en-US" altLang="zh-CN" dirty="0"/>
+          </a:p>
+          <a:p>
+            <a:r>
+              <a:rPr lang="en-US" altLang="zh-CN" dirty="0" smtClean="0"/>
+              <a:t>2. TTL</a:t>
+            </a:r>
+            <a:r>
+              <a:rPr lang="zh-CN" altLang="en-US" dirty="0" smtClean="0"/>
+              <a:t>在集群中的实现问题</a:t>
+            </a:r>
+            <a:endParaRPr lang="en-US" altLang="zh-CN" dirty="0" smtClean="0"/>
+          </a:p>
+          <a:p>
+            <a:endParaRPr lang="en-US" altLang="zh-CN" dirty="0"/>
+          </a:p>
+          <a:p>
+            <a:r>
+              <a:rPr lang="en-US" altLang="zh-CN" dirty="0" smtClean="0"/>
+              <a:t>3. </a:t>
+            </a:r>
+            <a:r>
+              <a:rPr lang="zh-CN" altLang="en-US" dirty="0" smtClean="0"/>
+              <a:t>代码阅读</a:t>
+            </a:r>
+            <a:endParaRPr lang="zh-CN" altLang="en-US" dirty="0"/>
+          </a:p>
+        </p:txBody>
+      </p:sp>
+    </p:spTree>
+    <p:extLst>
+      <p:ext uri="{BB962C8B-B14F-4D97-AF65-F5344CB8AC3E}">
+        <p14:creationId xmlns:p14="http://schemas.microsoft.com/office/powerpoint/2010/main" val="1161390169"/>
       </p:ext>
     </p:extLst>
   </p:cSld>

--- a/etcd_slides/Etcd��������20150619.pptx
+++ b/etcd_slides/Etcd��������20150619.pptx
@@ -37,17 +37,18 @@
     <p:sldId id="273" r:id="rId31"/>
     <p:sldId id="290" r:id="rId32"/>
     <p:sldId id="293" r:id="rId33"/>
-    <p:sldId id="291" r:id="rId34"/>
-    <p:sldId id="292" r:id="rId35"/>
-    <p:sldId id="274" r:id="rId36"/>
-    <p:sldId id="295" r:id="rId37"/>
-    <p:sldId id="296" r:id="rId38"/>
-    <p:sldId id="297" r:id="rId39"/>
-    <p:sldId id="260" r:id="rId40"/>
-    <p:sldId id="298" r:id="rId41"/>
-    <p:sldId id="299" r:id="rId42"/>
-    <p:sldId id="289" r:id="rId43"/>
-    <p:sldId id="294" r:id="rId44"/>
+    <p:sldId id="274" r:id="rId34"/>
+    <p:sldId id="295" r:id="rId35"/>
+    <p:sldId id="296" r:id="rId36"/>
+    <p:sldId id="297" r:id="rId37"/>
+    <p:sldId id="260" r:id="rId38"/>
+    <p:sldId id="298" r:id="rId39"/>
+    <p:sldId id="299" r:id="rId40"/>
+    <p:sldId id="302" r:id="rId41"/>
+    <p:sldId id="289" r:id="rId42"/>
+    <p:sldId id="300" r:id="rId43"/>
+    <p:sldId id="303" r:id="rId44"/>
+    <p:sldId id="294" r:id="rId45"/>
   </p:sldIdLst>
   <p:sldSz cx="9144000" cy="6858000" type="screen4x3"/>
   <p:notesSz cx="6858000" cy="9144000"/>
@@ -183,8 +184,6 @@
             <p14:sldId id="273"/>
             <p14:sldId id="290"/>
             <p14:sldId id="293"/>
-            <p14:sldId id="291"/>
-            <p14:sldId id="292"/>
             <p14:sldId id="274"/>
             <p14:sldId id="295"/>
             <p14:sldId id="296"/>
@@ -192,7 +191,10 @@
             <p14:sldId id="260"/>
             <p14:sldId id="298"/>
             <p14:sldId id="299"/>
+            <p14:sldId id="302"/>
             <p14:sldId id="289"/>
+            <p14:sldId id="300"/>
+            <p14:sldId id="303"/>
             <p14:sldId id="294"/>
           </p14:sldIdLst>
         </p14:section>
@@ -10595,165 +10597,6 @@
             </a:r>
             <a:r>
               <a:rPr lang="zh-CN" altLang="en-US" dirty="0" smtClean="0"/>
-              <a:t>数据恢复</a:t>
-            </a:r>
-            <a:endParaRPr lang="zh-CN" altLang="en-US" dirty="0"/>
-          </a:p>
-        </p:txBody>
-      </p:sp>
-      <p:sp>
-        <p:nvSpPr>
-          <p:cNvPr id="3" name="内容占位符 2"/>
-          <p:cNvSpPr>
-            <a:spLocks noGrp="1"/>
-          </p:cNvSpPr>
-          <p:nvPr>
-            <p:ph sz="quarter" idx="13"/>
-          </p:nvPr>
-        </p:nvSpPr>
-        <p:spPr/>
-        <p:txBody>
-          <a:bodyPr/>
-          <a:lstStyle/>
-          <a:p>
-            <a:endParaRPr lang="zh-CN" altLang="en-US"/>
-          </a:p>
-        </p:txBody>
-      </p:sp>
-    </p:spTree>
-    <p:extLst>
-      <p:ext uri="{BB962C8B-B14F-4D97-AF65-F5344CB8AC3E}">
-        <p14:creationId xmlns:p14="http://schemas.microsoft.com/office/powerpoint/2010/main" val="1445595640"/>
-      </p:ext>
-    </p:extLst>
-  </p:cSld>
-  <p:clrMapOvr>
-    <a:masterClrMapping/>
-  </p:clrMapOvr>
-</p:sld>
-</file>
-
-<file path=ppt/slides/slide34.xml><?xml version="1.0" encoding="utf-8"?>
-<p:sld xmlns:a="http://schemas.openxmlformats.org/drawingml/2006/main" xmlns:r="http://schemas.openxmlformats.org/officeDocument/2006/relationships" xmlns:p="http://schemas.openxmlformats.org/presentationml/2006/main">
-  <p:cSld>
-    <p:spTree>
-      <p:nvGrpSpPr>
-        <p:cNvPr id="1" name=""/>
-        <p:cNvGrpSpPr/>
-        <p:nvPr/>
-      </p:nvGrpSpPr>
-      <p:grpSpPr>
-        <a:xfrm>
-          <a:off x="0" y="0"/>
-          <a:ext cx="0" cy="0"/>
-          <a:chOff x="0" y="0"/>
-          <a:chExt cx="0" cy="0"/>
-        </a:xfrm>
-      </p:grpSpPr>
-      <p:sp>
-        <p:nvSpPr>
-          <p:cNvPr id="2" name="标题 1"/>
-          <p:cNvSpPr>
-            <a:spLocks noGrp="1"/>
-          </p:cNvSpPr>
-          <p:nvPr>
-            <p:ph type="title"/>
-          </p:nvPr>
-        </p:nvSpPr>
-        <p:spPr/>
-        <p:txBody>
-          <a:bodyPr/>
-          <a:lstStyle/>
-          <a:p>
-            <a:r>
-              <a:rPr lang="en-US" altLang="zh-CN" dirty="0" smtClean="0"/>
-              <a:t>ETCD</a:t>
-            </a:r>
-            <a:r>
-              <a:rPr lang="zh-CN" altLang="en-US" dirty="0" smtClean="0"/>
-              <a:t>数据迁移</a:t>
-            </a:r>
-            <a:endParaRPr lang="zh-CN" altLang="en-US" dirty="0"/>
-          </a:p>
-        </p:txBody>
-      </p:sp>
-      <p:sp>
-        <p:nvSpPr>
-          <p:cNvPr id="3" name="内容占位符 2"/>
-          <p:cNvSpPr>
-            <a:spLocks noGrp="1"/>
-          </p:cNvSpPr>
-          <p:nvPr>
-            <p:ph sz="quarter" idx="13"/>
-          </p:nvPr>
-        </p:nvSpPr>
-        <p:spPr/>
-        <p:txBody>
-          <a:bodyPr/>
-          <a:lstStyle/>
-          <a:p>
-            <a:endParaRPr lang="zh-CN" altLang="en-US"/>
-          </a:p>
-        </p:txBody>
-      </p:sp>
-    </p:spTree>
-    <p:extLst>
-      <p:ext uri="{BB962C8B-B14F-4D97-AF65-F5344CB8AC3E}">
-        <p14:creationId xmlns:p14="http://schemas.microsoft.com/office/powerpoint/2010/main" val="3686396666"/>
-      </p:ext>
-    </p:extLst>
-  </p:cSld>
-  <p:clrMapOvr>
-    <a:masterClrMapping/>
-  </p:clrMapOvr>
-  <p:timing>
-    <p:tnLst>
-      <p:par>
-        <p:cTn id="1" dur="indefinite" restart="never" nodeType="tmRoot"/>
-      </p:par>
-    </p:tnLst>
-  </p:timing>
-</p:sld>
-</file>
-
-<file path=ppt/slides/slide35.xml><?xml version="1.0" encoding="utf-8"?>
-<p:sld xmlns:a="http://schemas.openxmlformats.org/drawingml/2006/main" xmlns:r="http://schemas.openxmlformats.org/officeDocument/2006/relationships" xmlns:p="http://schemas.openxmlformats.org/presentationml/2006/main">
-  <p:cSld>
-    <p:spTree>
-      <p:nvGrpSpPr>
-        <p:cNvPr id="1" name=""/>
-        <p:cNvGrpSpPr/>
-        <p:nvPr/>
-      </p:nvGrpSpPr>
-      <p:grpSpPr>
-        <a:xfrm>
-          <a:off x="0" y="0"/>
-          <a:ext cx="0" cy="0"/>
-          <a:chOff x="0" y="0"/>
-          <a:chExt cx="0" cy="0"/>
-        </a:xfrm>
-      </p:grpSpPr>
-      <p:sp>
-        <p:nvSpPr>
-          <p:cNvPr id="2" name="标题 1"/>
-          <p:cNvSpPr>
-            <a:spLocks noGrp="1"/>
-          </p:cNvSpPr>
-          <p:nvPr>
-            <p:ph type="title"/>
-          </p:nvPr>
-        </p:nvSpPr>
-        <p:spPr/>
-        <p:txBody>
-          <a:bodyPr/>
-          <a:lstStyle/>
-          <a:p>
-            <a:r>
-              <a:rPr lang="en-US" altLang="zh-CN" dirty="0" smtClean="0"/>
-              <a:t>ETCD</a:t>
-            </a:r>
-            <a:r>
-              <a:rPr lang="zh-CN" altLang="en-US" dirty="0" smtClean="0"/>
               <a:t>实现原理</a:t>
             </a:r>
             <a:endParaRPr lang="zh-CN" altLang="en-US" dirty="0"/>
@@ -10932,7 +10775,7 @@
 </p:sld>
 </file>
 
-<file path=ppt/slides/slide36.xml><?xml version="1.0" encoding="utf-8"?>
+<file path=ppt/slides/slide34.xml><?xml version="1.0" encoding="utf-8"?>
 <p:sld xmlns:a="http://schemas.openxmlformats.org/drawingml/2006/main" xmlns:r="http://schemas.openxmlformats.org/officeDocument/2006/relationships" xmlns:p="http://schemas.openxmlformats.org/presentationml/2006/main">
   <p:cSld>
     <p:spTree>
@@ -11155,7 +10998,7 @@
 </p:sld>
 </file>
 
-<file path=ppt/slides/slide37.xml><?xml version="1.0" encoding="utf-8"?>
+<file path=ppt/slides/slide35.xml><?xml version="1.0" encoding="utf-8"?>
 <p:sld xmlns:a="http://schemas.openxmlformats.org/drawingml/2006/main" xmlns:r="http://schemas.openxmlformats.org/officeDocument/2006/relationships" xmlns:p="http://schemas.openxmlformats.org/presentationml/2006/main">
   <p:cSld>
     <p:spTree>
@@ -11386,7 +11229,7 @@
 </p:sld>
 </file>
 
-<file path=ppt/slides/slide38.xml><?xml version="1.0" encoding="utf-8"?>
+<file path=ppt/slides/slide36.xml><?xml version="1.0" encoding="utf-8"?>
 <p:sld xmlns:a="http://schemas.openxmlformats.org/drawingml/2006/main" xmlns:r="http://schemas.openxmlformats.org/officeDocument/2006/relationships" xmlns:p="http://schemas.openxmlformats.org/presentationml/2006/main">
   <p:cSld>
     <p:spTree>
@@ -11678,7 +11521,7 @@
 </p:sld>
 </file>
 
-<file path=ppt/slides/slide39.xml><?xml version="1.0" encoding="utf-8"?>
+<file path=ppt/slides/slide37.xml><?xml version="1.0" encoding="utf-8"?>
 <p:sld xmlns:a="http://schemas.openxmlformats.org/drawingml/2006/main" xmlns:r="http://schemas.openxmlformats.org/officeDocument/2006/relationships" xmlns:p="http://schemas.openxmlformats.org/presentationml/2006/main">
   <p:cSld>
     <p:spTree>
@@ -11856,6 +11699,312 @@
     <p:extLst>
       <p:ext uri="{BB962C8B-B14F-4D97-AF65-F5344CB8AC3E}">
         <p14:creationId xmlns:p14="http://schemas.microsoft.com/office/powerpoint/2010/main" val="4120712768"/>
+      </p:ext>
+    </p:extLst>
+  </p:cSld>
+  <p:clrMapOvr>
+    <a:masterClrMapping/>
+  </p:clrMapOvr>
+  <p:timing>
+    <p:tnLst>
+      <p:par>
+        <p:cTn id="1" dur="indefinite" restart="never" nodeType="tmRoot"/>
+      </p:par>
+    </p:tnLst>
+  </p:timing>
+</p:sld>
+</file>
+
+<file path=ppt/slides/slide38.xml><?xml version="1.0" encoding="utf-8"?>
+<p:sld xmlns:a="http://schemas.openxmlformats.org/drawingml/2006/main" xmlns:r="http://schemas.openxmlformats.org/officeDocument/2006/relationships" xmlns:p="http://schemas.openxmlformats.org/presentationml/2006/main">
+  <p:cSld>
+    <p:spTree>
+      <p:nvGrpSpPr>
+        <p:cNvPr id="1" name=""/>
+        <p:cNvGrpSpPr/>
+        <p:nvPr/>
+      </p:nvGrpSpPr>
+      <p:grpSpPr>
+        <a:xfrm>
+          <a:off x="0" y="0"/>
+          <a:ext cx="0" cy="0"/>
+          <a:chOff x="0" y="0"/>
+          <a:chExt cx="0" cy="0"/>
+        </a:xfrm>
+      </p:grpSpPr>
+      <p:sp>
+        <p:nvSpPr>
+          <p:cNvPr id="2" name="标题 1"/>
+          <p:cNvSpPr>
+            <a:spLocks noGrp="1"/>
+          </p:cNvSpPr>
+          <p:nvPr>
+            <p:ph type="title"/>
+          </p:nvPr>
+        </p:nvSpPr>
+        <p:spPr/>
+        <p:txBody>
+          <a:bodyPr/>
+          <a:lstStyle/>
+          <a:p>
+            <a:r>
+              <a:rPr lang="en-US" altLang="zh-CN" dirty="0" err="1" smtClean="0"/>
+              <a:t>Etcd</a:t>
+            </a:r>
+            <a:r>
+              <a:rPr lang="zh-CN" altLang="en-US" dirty="0" smtClean="0"/>
+              <a:t>做服务发现</a:t>
+            </a:r>
+            <a:endParaRPr lang="zh-CN" altLang="en-US" dirty="0"/>
+          </a:p>
+        </p:txBody>
+      </p:sp>
+      <p:sp>
+        <p:nvSpPr>
+          <p:cNvPr id="3" name="内容占位符 2"/>
+          <p:cNvSpPr>
+            <a:spLocks noGrp="1"/>
+          </p:cNvSpPr>
+          <p:nvPr>
+            <p:ph sz="quarter" idx="13"/>
+          </p:nvPr>
+        </p:nvSpPr>
+        <p:spPr/>
+        <p:txBody>
+          <a:bodyPr/>
+          <a:lstStyle/>
+          <a:p>
+            <a:pPr lvl="1"/>
+            <a:r>
+              <a:rPr lang="en-US" altLang="zh-CN" dirty="0" smtClean="0"/>
+              <a:t>ETCD:</a:t>
+            </a:r>
+            <a:endParaRPr lang="en-US" altLang="zh-CN" dirty="0"/>
+          </a:p>
+          <a:p>
+            <a:endParaRPr lang="zh-CN" altLang="en-US" dirty="0"/>
+          </a:p>
+        </p:txBody>
+      </p:sp>
+      <p:pic>
+        <p:nvPicPr>
+          <p:cNvPr id="5123" name="Picture 3"/>
+          <p:cNvPicPr>
+            <a:picLocks noChangeAspect="1" noChangeArrowheads="1"/>
+          </p:cNvPicPr>
+          <p:nvPr/>
+        </p:nvPicPr>
+        <p:blipFill>
+          <a:blip r:embed="rId2">
+            <a:extLst>
+              <a:ext uri="{28A0092B-C50C-407E-A947-70E740481C1C}">
+                <a14:useLocalDpi xmlns:a14="http://schemas.microsoft.com/office/drawing/2010/main" val="0"/>
+              </a:ext>
+            </a:extLst>
+          </a:blip>
+          <a:srcRect/>
+          <a:stretch>
+            <a:fillRect/>
+          </a:stretch>
+        </p:blipFill>
+        <p:spPr bwMode="auto">
+          <a:xfrm>
+            <a:off x="1187624" y="1916831"/>
+            <a:ext cx="6162675" cy="4467225"/>
+          </a:xfrm>
+          <a:prstGeom prst="rect">
+            <a:avLst/>
+          </a:prstGeom>
+          <a:noFill/>
+          <a:ln>
+            <a:noFill/>
+          </a:ln>
+          <a:extLst>
+            <a:ext uri="{909E8E84-426E-40DD-AFC4-6F175D3DCCD1}">
+              <a14:hiddenFill xmlns:a14="http://schemas.microsoft.com/office/drawing/2010/main">
+                <a:solidFill>
+                  <a:schemeClr val="accent1"/>
+                </a:solidFill>
+              </a14:hiddenFill>
+            </a:ext>
+            <a:ext uri="{91240B29-F687-4F45-9708-019B960494DF}">
+              <a14:hiddenLine xmlns:a14="http://schemas.microsoft.com/office/drawing/2010/main" w="9525">
+                <a:solidFill>
+                  <a:schemeClr val="tx1"/>
+                </a:solidFill>
+                <a:miter lim="800000"/>
+                <a:headEnd/>
+                <a:tailEnd/>
+              </a14:hiddenLine>
+            </a:ext>
+          </a:extLst>
+        </p:spPr>
+      </p:pic>
+    </p:spTree>
+    <p:extLst>
+      <p:ext uri="{BB962C8B-B14F-4D97-AF65-F5344CB8AC3E}">
+        <p14:creationId xmlns:p14="http://schemas.microsoft.com/office/powerpoint/2010/main" val="286973489"/>
+      </p:ext>
+    </p:extLst>
+  </p:cSld>
+  <p:clrMapOvr>
+    <a:masterClrMapping/>
+  </p:clrMapOvr>
+  <p:timing>
+    <p:tnLst>
+      <p:par>
+        <p:cTn id="1" dur="indefinite" restart="never" nodeType="tmRoot"/>
+      </p:par>
+    </p:tnLst>
+  </p:timing>
+</p:sld>
+</file>
+
+<file path=ppt/slides/slide39.xml><?xml version="1.0" encoding="utf-8"?>
+<p:sld xmlns:a="http://schemas.openxmlformats.org/drawingml/2006/main" xmlns:r="http://schemas.openxmlformats.org/officeDocument/2006/relationships" xmlns:p="http://schemas.openxmlformats.org/presentationml/2006/main">
+  <p:cSld>
+    <p:spTree>
+      <p:nvGrpSpPr>
+        <p:cNvPr id="1" name=""/>
+        <p:cNvGrpSpPr/>
+        <p:nvPr/>
+      </p:nvGrpSpPr>
+      <p:grpSpPr>
+        <a:xfrm>
+          <a:off x="0" y="0"/>
+          <a:ext cx="0" cy="0"/>
+          <a:chOff x="0" y="0"/>
+          <a:chExt cx="0" cy="0"/>
+        </a:xfrm>
+      </p:grpSpPr>
+      <p:sp>
+        <p:nvSpPr>
+          <p:cNvPr id="2" name="标题 1"/>
+          <p:cNvSpPr>
+            <a:spLocks noGrp="1"/>
+          </p:cNvSpPr>
+          <p:nvPr>
+            <p:ph type="title"/>
+          </p:nvPr>
+        </p:nvSpPr>
+        <p:spPr/>
+        <p:txBody>
+          <a:bodyPr/>
+          <a:lstStyle/>
+          <a:p>
+            <a:r>
+              <a:rPr lang="en-US" altLang="zh-CN" dirty="0" err="1" smtClean="0"/>
+              <a:t>Etcd</a:t>
+            </a:r>
+            <a:r>
+              <a:rPr lang="zh-CN" altLang="en-US" dirty="0" smtClean="0"/>
+              <a:t>做服务发现</a:t>
+            </a:r>
+            <a:endParaRPr lang="zh-CN" altLang="en-US" dirty="0"/>
+          </a:p>
+        </p:txBody>
+      </p:sp>
+      <p:sp>
+        <p:nvSpPr>
+          <p:cNvPr id="3" name="内容占位符 2"/>
+          <p:cNvSpPr>
+            <a:spLocks noGrp="1"/>
+          </p:cNvSpPr>
+          <p:nvPr>
+            <p:ph sz="quarter" idx="13"/>
+          </p:nvPr>
+        </p:nvSpPr>
+        <p:spPr/>
+        <p:txBody>
+          <a:bodyPr/>
+          <a:lstStyle/>
+          <a:p>
+            <a:pPr lvl="1"/>
+            <a:r>
+              <a:rPr lang="en-US" altLang="zh-CN" dirty="0"/>
+              <a:t>client</a:t>
+            </a:r>
+            <a:r>
+              <a:rPr lang="zh-CN" altLang="en-US" dirty="0" smtClean="0"/>
+              <a:t>端，</a:t>
+            </a:r>
+            <a:r>
+              <a:rPr lang="en-US" altLang="zh-CN" dirty="0" smtClean="0"/>
+              <a:t>LTP</a:t>
+            </a:r>
+            <a:r>
+              <a:rPr lang="zh-CN" altLang="en-US" dirty="0" smtClean="0"/>
+              <a:t>为例：</a:t>
+            </a:r>
+            <a:endParaRPr lang="en-US" altLang="zh-CN" dirty="0" smtClean="0"/>
+          </a:p>
+          <a:p>
+            <a:pPr lvl="1"/>
+            <a:endParaRPr lang="en-US" altLang="zh-CN" dirty="0"/>
+          </a:p>
+          <a:p>
+            <a:endParaRPr lang="zh-CN" altLang="en-US" dirty="0"/>
+          </a:p>
+        </p:txBody>
+      </p:sp>
+      <p:pic>
+        <p:nvPicPr>
+          <p:cNvPr id="6147" name="Picture 3"/>
+          <p:cNvPicPr>
+            <a:picLocks noChangeAspect="1" noChangeArrowheads="1"/>
+          </p:cNvPicPr>
+          <p:nvPr/>
+        </p:nvPicPr>
+        <p:blipFill>
+          <a:blip r:embed="rId2">
+            <a:extLst>
+              <a:ext uri="{28A0092B-C50C-407E-A947-70E740481C1C}">
+                <a14:useLocalDpi xmlns:a14="http://schemas.microsoft.com/office/drawing/2010/main" val="0"/>
+              </a:ext>
+            </a:extLst>
+          </a:blip>
+          <a:srcRect/>
+          <a:stretch>
+            <a:fillRect/>
+          </a:stretch>
+        </p:blipFill>
+        <p:spPr bwMode="auto">
+          <a:xfrm>
+            <a:off x="0" y="1920846"/>
+            <a:ext cx="9144000" cy="3971925"/>
+          </a:xfrm>
+          <a:prstGeom prst="rect">
+            <a:avLst/>
+          </a:prstGeom>
+          <a:noFill/>
+          <a:ln>
+            <a:noFill/>
+          </a:ln>
+          <a:extLst>
+            <a:ext uri="{909E8E84-426E-40DD-AFC4-6F175D3DCCD1}">
+              <a14:hiddenFill xmlns:a14="http://schemas.microsoft.com/office/drawing/2010/main">
+                <a:solidFill>
+                  <a:schemeClr val="accent1"/>
+                </a:solidFill>
+              </a14:hiddenFill>
+            </a:ext>
+            <a:ext uri="{91240B29-F687-4F45-9708-019B960494DF}">
+              <a14:hiddenLine xmlns:a14="http://schemas.microsoft.com/office/drawing/2010/main" w="9525">
+                <a:solidFill>
+                  <a:schemeClr val="tx1"/>
+                </a:solidFill>
+                <a:miter lim="800000"/>
+                <a:headEnd/>
+                <a:tailEnd/>
+              </a14:hiddenLine>
+            </a:ext>
+          </a:extLst>
+        </p:spPr>
+      </p:pic>
+    </p:spTree>
+    <p:extLst>
+      <p:ext uri="{BB962C8B-B14F-4D97-AF65-F5344CB8AC3E}">
+        <p14:creationId xmlns:p14="http://schemas.microsoft.com/office/powerpoint/2010/main" val="2579905694"/>
       </p:ext>
     </p:extLst>
   </p:cSld>
@@ -12189,12 +12338,306 @@
           <a:lstStyle/>
           <a:p>
             <a:r>
+              <a:rPr lang="en-US" altLang="zh-CN" dirty="0" smtClean="0"/>
+              <a:t>ETCD </a:t>
+            </a:r>
+            <a:r>
+              <a:rPr lang="en-US" altLang="zh-CN" dirty="0" err="1" smtClean="0"/>
+              <a:t>api</a:t>
+            </a:r>
+            <a:endParaRPr lang="zh-CN" altLang="en-US" dirty="0"/>
+          </a:p>
+        </p:txBody>
+      </p:sp>
+      <p:sp>
+        <p:nvSpPr>
+          <p:cNvPr id="3" name="内容占位符 2"/>
+          <p:cNvSpPr>
+            <a:spLocks noGrp="1"/>
+          </p:cNvSpPr>
+          <p:nvPr>
+            <p:ph sz="quarter" idx="13"/>
+          </p:nvPr>
+        </p:nvSpPr>
+        <p:spPr/>
+        <p:txBody>
+          <a:bodyPr>
+            <a:normAutofit fontScale="92500" lnSpcReduction="20000"/>
+          </a:bodyPr>
+          <a:lstStyle/>
+          <a:p>
+            <a:r>
+              <a:rPr lang="en-US" altLang="zh-CN" dirty="0"/>
+              <a:t>Ref: </a:t>
+            </a:r>
+            <a:r>
+              <a:rPr lang="en-US" altLang="zh-CN" dirty="0">
+                <a:hlinkClick r:id="rId2"/>
+              </a:rPr>
+              <a:t>https://</a:t>
+            </a:r>
+            <a:r>
+              <a:rPr lang="en-US" altLang="zh-CN" dirty="0" smtClean="0">
+                <a:hlinkClick r:id="rId2"/>
+              </a:rPr>
+              <a:t>coreos.com/etcd/docs/2.0.12/api.html</a:t>
+            </a:r>
+            <a:endParaRPr lang="en-US" altLang="zh-CN" dirty="0" smtClean="0"/>
+          </a:p>
+          <a:p>
+            <a:r>
+              <a:rPr lang="en-US" altLang="zh-CN" dirty="0" smtClean="0"/>
+              <a:t>SET: </a:t>
+            </a:r>
+            <a:r>
+              <a:rPr lang="en-US" altLang="zh-CN" dirty="0" err="1" smtClean="0"/>
+              <a:t>etcdctl</a:t>
+            </a:r>
+            <a:r>
+              <a:rPr lang="en-US" altLang="zh-CN" dirty="0" smtClean="0"/>
+              <a:t> set … -XPUT</a:t>
+            </a:r>
+          </a:p>
+          <a:p>
+            <a:r>
+              <a:rPr lang="en-US" altLang="zh-CN" dirty="0" smtClean="0"/>
+              <a:t>GET: </a:t>
+            </a:r>
+            <a:r>
+              <a:rPr lang="en-US" altLang="zh-CN" dirty="0" err="1" smtClean="0"/>
+              <a:t>etcdctl</a:t>
+            </a:r>
+            <a:r>
+              <a:rPr lang="en-US" altLang="zh-CN" dirty="0" smtClean="0"/>
+              <a:t> get … -XGET</a:t>
+            </a:r>
+          </a:p>
+          <a:p>
+            <a:r>
+              <a:rPr lang="en-US" altLang="zh-CN" dirty="0" smtClean="0"/>
+              <a:t>READ Linearization: ?quorum=true -XGET</a:t>
+            </a:r>
+          </a:p>
+          <a:p>
+            <a:r>
+              <a:rPr lang="en-US" altLang="zh-CN" dirty="0" smtClean="0"/>
+              <a:t>UPDATE: </a:t>
+            </a:r>
+            <a:r>
+              <a:rPr lang="en-US" altLang="zh-CN" dirty="0" err="1" smtClean="0"/>
+              <a:t>prevExist</a:t>
+            </a:r>
+            <a:r>
+              <a:rPr lang="en-US" altLang="zh-CN" b="1" dirty="0" smtClean="0"/>
+              <a:t>=</a:t>
+            </a:r>
+            <a:r>
+              <a:rPr lang="en-US" altLang="zh-CN" dirty="0" smtClean="0"/>
+              <a:t>true -XPUT</a:t>
+            </a:r>
+          </a:p>
+          <a:p>
+            <a:r>
+              <a:rPr lang="en-US" altLang="zh-CN" dirty="0" smtClean="0"/>
+              <a:t>DELETE: </a:t>
+            </a:r>
+            <a:r>
+              <a:rPr lang="en-US" altLang="zh-CN" dirty="0" err="1" smtClean="0"/>
+              <a:t>etcdctl</a:t>
+            </a:r>
+            <a:r>
+              <a:rPr lang="en-US" altLang="zh-CN" dirty="0" smtClean="0"/>
+              <a:t> </a:t>
+            </a:r>
+            <a:r>
+              <a:rPr lang="en-US" altLang="zh-CN" dirty="0" err="1" smtClean="0"/>
+              <a:t>rm</a:t>
+            </a:r>
+            <a:r>
+              <a:rPr lang="en-US" altLang="zh-CN" dirty="0" smtClean="0"/>
+              <a:t> -XDELETE</a:t>
+            </a:r>
+          </a:p>
+          <a:p>
+            <a:r>
+              <a:rPr lang="en-US" altLang="zh-CN" dirty="0" smtClean="0"/>
+              <a:t>TTL</a:t>
+            </a:r>
+            <a:r>
+              <a:rPr lang="zh-CN" altLang="en-US" dirty="0" smtClean="0"/>
+              <a:t>：</a:t>
+            </a:r>
+            <a:r>
+              <a:rPr lang="en-US" altLang="zh-CN" dirty="0" smtClean="0"/>
+              <a:t>Key or </a:t>
+            </a:r>
+            <a:r>
+              <a:rPr lang="en-US" altLang="zh-CN" dirty="0" err="1" smtClean="0"/>
+              <a:t>Dir</a:t>
+            </a:r>
+            <a:r>
+              <a:rPr lang="en-US" altLang="zh-CN" dirty="0" smtClean="0"/>
+              <a:t> </a:t>
+            </a:r>
+          </a:p>
+          <a:p>
+            <a:r>
+              <a:rPr lang="en-US" altLang="zh-CN" dirty="0" smtClean="0"/>
+              <a:t>WATCH: </a:t>
+            </a:r>
+            <a:r>
+              <a:rPr lang="en-US" altLang="zh-CN" dirty="0" err="1" smtClean="0"/>
+              <a:t>etcdctl</a:t>
+            </a:r>
+            <a:r>
+              <a:rPr lang="en-US" altLang="zh-CN" dirty="0" smtClean="0"/>
+              <a:t> watch recursive=true …</a:t>
+            </a:r>
+          </a:p>
+          <a:p>
+            <a:r>
+              <a:rPr lang="en-US" altLang="zh-CN" dirty="0" smtClean="0"/>
+              <a:t>Atomic:</a:t>
+            </a:r>
+          </a:p>
+          <a:p>
+            <a:pPr lvl="1"/>
+            <a:r>
+              <a:rPr lang="en-US" altLang="zh-CN" dirty="0" smtClean="0"/>
+              <a:t>CREATE IN-ORDER KEYS  -XPOST on a directory</a:t>
+            </a:r>
+          </a:p>
+          <a:p>
+            <a:pPr lvl="1"/>
+            <a:r>
+              <a:rPr lang="en-US" altLang="zh-CN" dirty="0" smtClean="0"/>
+              <a:t>COMPARE AND SWAP </a:t>
+            </a:r>
+            <a:r>
+              <a:rPr lang="en-US" altLang="zh-CN" dirty="0" err="1" smtClean="0"/>
+              <a:t>prevValue</a:t>
+            </a:r>
+            <a:r>
+              <a:rPr lang="en-US" altLang="zh-CN" dirty="0" smtClean="0"/>
+              <a:t>, </a:t>
+            </a:r>
+            <a:r>
+              <a:rPr lang="en-US" altLang="zh-CN" dirty="0" err="1" smtClean="0"/>
+              <a:t>prevIndex</a:t>
+            </a:r>
+            <a:r>
+              <a:rPr lang="en-US" altLang="zh-CN" dirty="0" smtClean="0"/>
+              <a:t>, </a:t>
+            </a:r>
+            <a:r>
+              <a:rPr lang="en-US" altLang="zh-CN" dirty="0" err="1" smtClean="0"/>
+              <a:t>prevExist</a:t>
+            </a:r>
+            <a:r>
+              <a:rPr lang="en-US" altLang="zh-CN" dirty="0" smtClean="0"/>
+              <a:t> -XPUT</a:t>
+            </a:r>
+          </a:p>
+          <a:p>
+            <a:pPr lvl="1"/>
+            <a:r>
+              <a:rPr lang="en-US" altLang="zh-CN" dirty="0" smtClean="0"/>
+              <a:t>COMPARE AND DELETE </a:t>
+            </a:r>
+            <a:r>
+              <a:rPr lang="en-US" altLang="zh-CN" dirty="0" err="1" smtClean="0"/>
+              <a:t>prevValue</a:t>
+            </a:r>
+            <a:r>
+              <a:rPr lang="en-US" altLang="zh-CN" dirty="0" smtClean="0"/>
+              <a:t>, </a:t>
+            </a:r>
+            <a:r>
+              <a:rPr lang="en-US" altLang="zh-CN" dirty="0" err="1" smtClean="0"/>
+              <a:t>prevIndex</a:t>
+            </a:r>
+            <a:r>
+              <a:rPr lang="en-US" altLang="zh-CN" dirty="0" smtClean="0"/>
+              <a:t>, -XDELETE</a:t>
+            </a:r>
+          </a:p>
+          <a:p>
+            <a:pPr marL="457200" lvl="1" indent="0">
+              <a:buNone/>
+            </a:pPr>
+            <a:endParaRPr lang="en-US" altLang="zh-CN" dirty="0" smtClean="0"/>
+          </a:p>
+          <a:p>
+            <a:pPr lvl="1"/>
+            <a:endParaRPr lang="en-US" altLang="zh-CN" dirty="0" smtClean="0"/>
+          </a:p>
+          <a:p>
+            <a:pPr marL="457200" lvl="1" indent="0">
+              <a:buNone/>
+            </a:pPr>
+            <a:endParaRPr lang="en-US" altLang="zh-CN" dirty="0" smtClean="0"/>
+          </a:p>
+          <a:p>
+            <a:pPr lvl="2"/>
+            <a:endParaRPr lang="en-US" altLang="zh-CN" dirty="0" smtClean="0"/>
+          </a:p>
+          <a:p>
+            <a:endParaRPr lang="en-US" altLang="zh-CN" dirty="0"/>
+          </a:p>
+        </p:txBody>
+      </p:sp>
+    </p:spTree>
+    <p:extLst>
+      <p:ext uri="{BB962C8B-B14F-4D97-AF65-F5344CB8AC3E}">
+        <p14:creationId xmlns:p14="http://schemas.microsoft.com/office/powerpoint/2010/main" val="77464520"/>
+      </p:ext>
+    </p:extLst>
+  </p:cSld>
+  <p:clrMapOvr>
+    <a:masterClrMapping/>
+  </p:clrMapOvr>
+</p:sld>
+</file>
+
+<file path=ppt/slides/slide41.xml><?xml version="1.0" encoding="utf-8"?>
+<p:sld xmlns:a="http://schemas.openxmlformats.org/drawingml/2006/main" xmlns:r="http://schemas.openxmlformats.org/officeDocument/2006/relationships" xmlns:p="http://schemas.openxmlformats.org/presentationml/2006/main">
+  <p:cSld>
+    <p:spTree>
+      <p:nvGrpSpPr>
+        <p:cNvPr id="1" name=""/>
+        <p:cNvGrpSpPr/>
+        <p:nvPr/>
+      </p:nvGrpSpPr>
+      <p:grpSpPr>
+        <a:xfrm>
+          <a:off x="0" y="0"/>
+          <a:ext cx="0" cy="0"/>
+          <a:chOff x="0" y="0"/>
+          <a:chExt cx="0" cy="0"/>
+        </a:xfrm>
+      </p:grpSpPr>
+      <p:sp>
+        <p:nvSpPr>
+          <p:cNvPr id="2" name="标题 1"/>
+          <p:cNvSpPr>
+            <a:spLocks noGrp="1"/>
+          </p:cNvSpPr>
+          <p:nvPr>
+            <p:ph type="title"/>
+          </p:nvPr>
+        </p:nvSpPr>
+        <p:spPr/>
+        <p:txBody>
+          <a:bodyPr/>
+          <a:lstStyle/>
+          <a:p>
+            <a:r>
               <a:rPr lang="en-US" altLang="zh-CN" dirty="0" err="1" smtClean="0"/>
               <a:t>Etcd</a:t>
             </a:r>
             <a:r>
               <a:rPr lang="zh-CN" altLang="en-US" dirty="0" smtClean="0"/>
-              <a:t>做服务发现</a:t>
+              <a:t>运维相关</a:t>
             </a:r>
             <a:endParaRPr lang="zh-CN" altLang="en-US" dirty="0"/>
           </a:p>
@@ -12212,24 +12655,93 @@
         </p:nvSpPr>
         <p:spPr/>
         <p:txBody>
-          <a:bodyPr/>
+          <a:bodyPr>
+            <a:normAutofit/>
+          </a:bodyPr>
           <a:lstStyle/>
           <a:p>
-            <a:pPr lvl="1"/>
-            <a:r>
-              <a:rPr lang="en-US" altLang="zh-CN" dirty="0" smtClean="0"/>
-              <a:t>ETCD:</a:t>
+            <a:r>
+              <a:rPr lang="zh-CN" altLang="en-US" dirty="0" smtClean="0"/>
+              <a:t>操作命令</a:t>
+            </a:r>
+            <a:r>
+              <a:rPr lang="en-US" altLang="zh-CN" dirty="0"/>
+              <a:t> </a:t>
+            </a:r>
+            <a:r>
+              <a:rPr lang="en-US" altLang="zh-CN" dirty="0" smtClean="0"/>
+              <a:t>ETCDCTL</a:t>
+            </a:r>
+            <a:r>
+              <a:rPr lang="zh-CN" altLang="en-US" dirty="0"/>
+              <a:t>，</a:t>
+            </a:r>
+            <a:r>
+              <a:rPr lang="en-US" altLang="zh-CN" dirty="0" smtClean="0"/>
+              <a:t>CURL</a:t>
             </a:r>
             <a:endParaRPr lang="en-US" altLang="zh-CN" dirty="0"/>
           </a:p>
           <a:p>
-            <a:endParaRPr lang="zh-CN" altLang="en-US" dirty="0"/>
+            <a:r>
+              <a:rPr lang="en-US" altLang="zh-CN" dirty="0" smtClean="0"/>
+              <a:t>ETCDCTL</a:t>
+            </a:r>
+            <a:r>
+              <a:rPr lang="en-US" altLang="zh-CN" dirty="0" smtClean="0"/>
+              <a:t>  </a:t>
+            </a:r>
+            <a:r>
+              <a:rPr lang="en-US" altLang="zh-CN" dirty="0" smtClean="0"/>
+              <a:t>ADMIN API</a:t>
+            </a:r>
+            <a:r>
+              <a:rPr lang="zh-CN" altLang="en-US" dirty="0" smtClean="0"/>
+              <a:t>：</a:t>
+            </a:r>
+            <a:endParaRPr lang="en-US" altLang="zh-CN" dirty="0" smtClean="0"/>
+          </a:p>
+          <a:p>
+            <a:r>
+              <a:rPr lang="en-US" altLang="zh-CN" dirty="0" smtClean="0"/>
+              <a:t>1. List members  </a:t>
+            </a:r>
+          </a:p>
+          <a:p>
+            <a:endParaRPr lang="en-US" altLang="zh-CN" dirty="0" smtClean="0"/>
+          </a:p>
+          <a:p>
+            <a:endParaRPr lang="en-US" altLang="zh-CN" dirty="0" smtClean="0"/>
+          </a:p>
+          <a:p>
+            <a:r>
+              <a:rPr lang="en-US" altLang="zh-CN" dirty="0" smtClean="0"/>
+              <a:t>2. Add a member</a:t>
+            </a:r>
+          </a:p>
+          <a:p>
+            <a:endParaRPr lang="en-US" altLang="zh-CN" dirty="0" smtClean="0"/>
+          </a:p>
+          <a:p>
+            <a:endParaRPr lang="en-US" altLang="zh-CN" dirty="0"/>
+          </a:p>
+          <a:p>
+            <a:endParaRPr lang="en-US" altLang="zh-CN" dirty="0" smtClean="0"/>
+          </a:p>
+          <a:p>
+            <a:r>
+              <a:rPr lang="en-US" altLang="zh-CN" dirty="0" smtClean="0"/>
+              <a:t>3. Delete a member</a:t>
+            </a:r>
+          </a:p>
+          <a:p>
+            <a:endParaRPr lang="en-US" altLang="zh-CN" dirty="0" smtClean="0"/>
           </a:p>
         </p:txBody>
       </p:sp>
       <p:pic>
         <p:nvPicPr>
-          <p:cNvPr id="5123" name="Picture 3"/>
+          <p:cNvPr id="7170" name="Picture 2"/>
           <p:cNvPicPr>
             <a:picLocks noChangeAspect="1" noChangeArrowheads="1"/>
           </p:cNvPicPr>
@@ -12250,8 +12762,62 @@
         </p:blipFill>
         <p:spPr bwMode="auto">
           <a:xfrm>
-            <a:off x="1187624" y="1916831"/>
-            <a:ext cx="6162675" cy="4467225"/>
+            <a:off x="683568" y="2663378"/>
+            <a:ext cx="8020050" cy="657225"/>
+          </a:xfrm>
+          <a:prstGeom prst="rect">
+            <a:avLst/>
+          </a:prstGeom>
+          <a:noFill/>
+          <a:ln>
+            <a:noFill/>
+          </a:ln>
+          <a:extLst>
+            <a:ext uri="{909E8E84-426E-40DD-AFC4-6F175D3DCCD1}">
+              <a14:hiddenFill xmlns:a14="http://schemas.microsoft.com/office/drawing/2010/main">
+                <a:solidFill>
+                  <a:schemeClr val="accent1"/>
+                </a:solidFill>
+              </a14:hiddenFill>
+            </a:ext>
+            <a:ext uri="{91240B29-F687-4F45-9708-019B960494DF}">
+              <a14:hiddenLine xmlns:a14="http://schemas.microsoft.com/office/drawing/2010/main" w="9525">
+                <a:solidFill>
+                  <a:schemeClr val="tx1"/>
+                </a:solidFill>
+                <a:miter lim="800000"/>
+                <a:headEnd/>
+                <a:tailEnd/>
+              </a14:hiddenLine>
+            </a:ext>
+          </a:extLst>
+        </p:spPr>
+      </p:pic>
+      <p:pic>
+        <p:nvPicPr>
+          <p:cNvPr id="7171" name="Picture 3"/>
+          <p:cNvPicPr>
+            <a:picLocks noChangeAspect="1" noChangeArrowheads="1"/>
+          </p:cNvPicPr>
+          <p:nvPr/>
+        </p:nvPicPr>
+        <p:blipFill>
+          <a:blip r:embed="rId3">
+            <a:extLst>
+              <a:ext uri="{28A0092B-C50C-407E-A947-70E740481C1C}">
+                <a14:useLocalDpi xmlns:a14="http://schemas.microsoft.com/office/drawing/2010/main" val="0"/>
+              </a:ext>
+            </a:extLst>
+          </a:blip>
+          <a:srcRect/>
+          <a:stretch>
+            <a:fillRect/>
+          </a:stretch>
+        </p:blipFill>
+        <p:spPr bwMode="auto">
+          <a:xfrm>
+            <a:off x="539552" y="3861048"/>
+            <a:ext cx="8496944" cy="1028700"/>
           </a:xfrm>
           <a:prstGeom prst="rect">
             <a:avLst/>
@@ -12284,168 +12850,7 @@
     </p:spTree>
     <p:extLst>
       <p:ext uri="{BB962C8B-B14F-4D97-AF65-F5344CB8AC3E}">
-        <p14:creationId xmlns:p14="http://schemas.microsoft.com/office/powerpoint/2010/main" val="286973489"/>
-      </p:ext>
-    </p:extLst>
-  </p:cSld>
-  <p:clrMapOvr>
-    <a:masterClrMapping/>
-  </p:clrMapOvr>
-  <p:timing>
-    <p:tnLst>
-      <p:par>
-        <p:cTn id="1" dur="indefinite" restart="never" nodeType="tmRoot"/>
-      </p:par>
-    </p:tnLst>
-  </p:timing>
-</p:sld>
-</file>
-
-<file path=ppt/slides/slide41.xml><?xml version="1.0" encoding="utf-8"?>
-<p:sld xmlns:a="http://schemas.openxmlformats.org/drawingml/2006/main" xmlns:r="http://schemas.openxmlformats.org/officeDocument/2006/relationships" xmlns:p="http://schemas.openxmlformats.org/presentationml/2006/main">
-  <p:cSld>
-    <p:spTree>
-      <p:nvGrpSpPr>
-        <p:cNvPr id="1" name=""/>
-        <p:cNvGrpSpPr/>
-        <p:nvPr/>
-      </p:nvGrpSpPr>
-      <p:grpSpPr>
-        <a:xfrm>
-          <a:off x="0" y="0"/>
-          <a:ext cx="0" cy="0"/>
-          <a:chOff x="0" y="0"/>
-          <a:chExt cx="0" cy="0"/>
-        </a:xfrm>
-      </p:grpSpPr>
-      <p:sp>
-        <p:nvSpPr>
-          <p:cNvPr id="2" name="标题 1"/>
-          <p:cNvSpPr>
-            <a:spLocks noGrp="1"/>
-          </p:cNvSpPr>
-          <p:nvPr>
-            <p:ph type="title"/>
-          </p:nvPr>
-        </p:nvSpPr>
-        <p:spPr/>
-        <p:txBody>
-          <a:bodyPr/>
-          <a:lstStyle/>
-          <a:p>
-            <a:r>
-              <a:rPr lang="en-US" altLang="zh-CN" dirty="0" err="1" smtClean="0"/>
-              <a:t>Etcd</a:t>
-            </a:r>
-            <a:r>
-              <a:rPr lang="zh-CN" altLang="en-US" dirty="0" smtClean="0"/>
-              <a:t>做服务发现</a:t>
-            </a:r>
-            <a:endParaRPr lang="zh-CN" altLang="en-US" dirty="0"/>
-          </a:p>
-        </p:txBody>
-      </p:sp>
-      <p:sp>
-        <p:nvSpPr>
-          <p:cNvPr id="3" name="内容占位符 2"/>
-          <p:cNvSpPr>
-            <a:spLocks noGrp="1"/>
-          </p:cNvSpPr>
-          <p:nvPr>
-            <p:ph sz="quarter" idx="13"/>
-          </p:nvPr>
-        </p:nvSpPr>
-        <p:spPr/>
-        <p:txBody>
-          <a:bodyPr/>
-          <a:lstStyle/>
-          <a:p>
-            <a:pPr lvl="1"/>
-            <a:r>
-              <a:rPr lang="en-US" altLang="zh-CN" dirty="0"/>
-              <a:t>client</a:t>
-            </a:r>
-            <a:r>
-              <a:rPr lang="zh-CN" altLang="en-US" dirty="0" smtClean="0"/>
-              <a:t>端，</a:t>
-            </a:r>
-            <a:r>
-              <a:rPr lang="en-US" altLang="zh-CN" dirty="0" smtClean="0"/>
-              <a:t>LTP</a:t>
-            </a:r>
-            <a:r>
-              <a:rPr lang="zh-CN" altLang="en-US" dirty="0" smtClean="0"/>
-              <a:t>为例：</a:t>
-            </a:r>
-            <a:endParaRPr lang="en-US" altLang="zh-CN" dirty="0" smtClean="0"/>
-          </a:p>
-          <a:p>
-            <a:pPr lvl="1"/>
-            <a:endParaRPr lang="en-US" altLang="zh-CN" dirty="0"/>
-          </a:p>
-          <a:p>
-            <a:endParaRPr lang="zh-CN" altLang="en-US" dirty="0"/>
-          </a:p>
-        </p:txBody>
-      </p:sp>
-      <p:pic>
-        <p:nvPicPr>
-          <p:cNvPr id="6147" name="Picture 3"/>
-          <p:cNvPicPr>
-            <a:picLocks noChangeAspect="1" noChangeArrowheads="1"/>
-          </p:cNvPicPr>
-          <p:nvPr/>
-        </p:nvPicPr>
-        <p:blipFill>
-          <a:blip r:embed="rId2">
-            <a:extLst>
-              <a:ext uri="{28A0092B-C50C-407E-A947-70E740481C1C}">
-                <a14:useLocalDpi xmlns:a14="http://schemas.microsoft.com/office/drawing/2010/main" val="0"/>
-              </a:ext>
-            </a:extLst>
-          </a:blip>
-          <a:srcRect/>
-          <a:stretch>
-            <a:fillRect/>
-          </a:stretch>
-        </p:blipFill>
-        <p:spPr bwMode="auto">
-          <a:xfrm>
-            <a:off x="0" y="1920846"/>
-            <a:ext cx="9144000" cy="3971925"/>
-          </a:xfrm>
-          <a:prstGeom prst="rect">
-            <a:avLst/>
-          </a:prstGeom>
-          <a:noFill/>
-          <a:ln>
-            <a:noFill/>
-          </a:ln>
-          <a:extLst>
-            <a:ext uri="{909E8E84-426E-40DD-AFC4-6F175D3DCCD1}">
-              <a14:hiddenFill xmlns:a14="http://schemas.microsoft.com/office/drawing/2010/main">
-                <a:solidFill>
-                  <a:schemeClr val="accent1"/>
-                </a:solidFill>
-              </a14:hiddenFill>
-            </a:ext>
-            <a:ext uri="{91240B29-F687-4F45-9708-019B960494DF}">
-              <a14:hiddenLine xmlns:a14="http://schemas.microsoft.com/office/drawing/2010/main" w="9525">
-                <a:solidFill>
-                  <a:schemeClr val="tx1"/>
-                </a:solidFill>
-                <a:miter lim="800000"/>
-                <a:headEnd/>
-                <a:tailEnd/>
-              </a14:hiddenLine>
-            </a:ext>
-          </a:extLst>
-        </p:spPr>
-      </p:pic>
-    </p:spTree>
-    <p:extLst>
-      <p:ext uri="{BB962C8B-B14F-4D97-AF65-F5344CB8AC3E}">
-        <p14:creationId xmlns:p14="http://schemas.microsoft.com/office/powerpoint/2010/main" val="2579905694"/>
+        <p14:creationId xmlns:p14="http://schemas.microsoft.com/office/powerpoint/2010/main" val="3214575600"/>
       </p:ext>
     </p:extLst>
   </p:cSld>
@@ -12495,12 +12900,12 @@
           <a:lstStyle/>
           <a:p>
             <a:r>
-              <a:rPr lang="en-US" altLang="zh-CN" dirty="0" err="1" smtClean="0"/>
-              <a:t>Etcd</a:t>
-            </a:r>
-            <a:r>
-              <a:rPr lang="zh-CN" altLang="en-US" dirty="0" smtClean="0"/>
-              <a:t>相关命令</a:t>
+              <a:rPr lang="en-US" altLang="zh-CN" dirty="0" smtClean="0"/>
+              <a:t>ETCD</a:t>
+            </a:r>
+            <a:r>
+              <a:rPr lang="zh-CN" altLang="en-US" dirty="0" smtClean="0"/>
+              <a:t>数据恢复</a:t>
             </a:r>
             <a:endParaRPr lang="zh-CN" altLang="en-US" dirty="0"/>
           </a:p>
@@ -12522,52 +12927,510 @@
           <a:lstStyle/>
           <a:p>
             <a:r>
-              <a:rPr lang="en-US" altLang="zh-CN" dirty="0" smtClean="0"/>
-              <a:t>ETCDCTL</a:t>
-            </a:r>
-            <a:r>
-              <a:rPr lang="zh-CN" altLang="en-US" dirty="0" smtClean="0"/>
-              <a:t>：</a:t>
+              <a:rPr lang="zh-CN" altLang="en-US" dirty="0" smtClean="0"/>
+              <a:t>当集群出现难以修复的问题时，保存数据，重建集群状态。</a:t>
             </a:r>
             <a:endParaRPr lang="en-US" altLang="zh-CN" dirty="0" smtClean="0"/>
           </a:p>
           <a:p>
+            <a:r>
+              <a:rPr lang="en-US" altLang="zh-CN" dirty="0"/>
+              <a:t>1. </a:t>
+            </a:r>
+            <a:r>
+              <a:rPr lang="en-US" altLang="zh-CN" dirty="0" err="1"/>
+              <a:t>etcdctl</a:t>
+            </a:r>
+            <a:r>
+              <a:rPr lang="en-US" altLang="zh-CN" dirty="0"/>
+              <a:t> backup </a:t>
+            </a:r>
+            <a:r>
+              <a:rPr lang="en-US" altLang="zh-CN" dirty="0" smtClean="0"/>
+              <a:t>--</a:t>
+            </a:r>
+            <a:r>
+              <a:rPr lang="en-US" altLang="zh-CN" dirty="0"/>
+              <a:t>data-</a:t>
+            </a:r>
+            <a:r>
+              <a:rPr lang="en-US" altLang="zh-CN" dirty="0" err="1"/>
+              <a:t>dir</a:t>
+            </a:r>
+            <a:r>
+              <a:rPr lang="en-US" altLang="zh-CN" dirty="0"/>
+              <a:t> /</a:t>
+            </a:r>
+            <a:r>
+              <a:rPr lang="en-US" altLang="zh-CN" dirty="0" err="1"/>
+              <a:t>var</a:t>
+            </a:r>
+            <a:r>
+              <a:rPr lang="en-US" altLang="zh-CN" dirty="0"/>
+              <a:t>/lib/</a:t>
+            </a:r>
+            <a:r>
+              <a:rPr lang="en-US" altLang="zh-CN" dirty="0" err="1"/>
+              <a:t>etcd</a:t>
+            </a:r>
+            <a:r>
+              <a:rPr lang="en-US" altLang="zh-CN" dirty="0"/>
+              <a:t> </a:t>
+            </a:r>
+            <a:r>
+              <a:rPr lang="en-US" altLang="zh-CN" dirty="0" smtClean="0"/>
+              <a:t>--</a:t>
+            </a:r>
+            <a:r>
+              <a:rPr lang="en-US" altLang="zh-CN" dirty="0"/>
+              <a:t>backup-</a:t>
+            </a:r>
+            <a:r>
+              <a:rPr lang="en-US" altLang="zh-CN" dirty="0" err="1"/>
+              <a:t>dir</a:t>
+            </a:r>
+            <a:r>
+              <a:rPr lang="en-US" altLang="zh-CN" dirty="0"/>
+              <a:t> /</a:t>
+            </a:r>
+            <a:r>
+              <a:rPr lang="en-US" altLang="zh-CN" dirty="0" err="1" smtClean="0"/>
+              <a:t>tmp</a:t>
+            </a:r>
+            <a:r>
+              <a:rPr lang="en-US" altLang="zh-CN" dirty="0" smtClean="0"/>
+              <a:t>/</a:t>
+            </a:r>
+            <a:r>
+              <a:rPr lang="en-US" altLang="zh-CN" dirty="0" err="1" smtClean="0"/>
+              <a:t>etcd_backup</a:t>
+            </a:r>
+            <a:endParaRPr lang="en-US" altLang="zh-CN" dirty="0" smtClean="0"/>
+          </a:p>
+          <a:p>
+            <a:pPr marL="0" indent="0">
+              <a:buNone/>
+            </a:pPr>
+            <a:r>
+              <a:rPr lang="en-US" altLang="zh-CN" dirty="0"/>
+              <a:t>	</a:t>
+            </a:r>
+            <a:r>
+              <a:rPr lang="zh-CN" altLang="en-US" dirty="0" smtClean="0"/>
+              <a:t>清洗集群相关信息，保留数据</a:t>
+            </a:r>
+            <a:endParaRPr lang="en-US" altLang="zh-CN" dirty="0" smtClean="0"/>
+          </a:p>
+          <a:p>
+            <a:r>
+              <a:rPr lang="en-US" altLang="zh-CN" dirty="0"/>
+              <a:t>2. </a:t>
+            </a:r>
+            <a:r>
+              <a:rPr lang="en-US" altLang="zh-CN" dirty="0" err="1"/>
+              <a:t>etcd</a:t>
+            </a:r>
+            <a:r>
+              <a:rPr lang="en-US" altLang="zh-CN" dirty="0"/>
+              <a:t> </a:t>
+            </a:r>
+            <a:r>
+              <a:rPr lang="en-US" altLang="zh-CN" dirty="0"/>
+              <a:t>\</a:t>
+            </a:r>
+            <a:r>
+              <a:rPr lang="en-US" altLang="zh-CN" dirty="0"/>
+              <a:t> -data-</a:t>
+            </a:r>
+            <a:r>
+              <a:rPr lang="en-US" altLang="zh-CN" dirty="0" err="1"/>
+              <a:t>dir</a:t>
+            </a:r>
+            <a:r>
+              <a:rPr lang="en-US" altLang="zh-CN" b="1" dirty="0"/>
+              <a:t>=</a:t>
+            </a:r>
+            <a:r>
+              <a:rPr lang="en-US" altLang="zh-CN" dirty="0"/>
+              <a:t>/</a:t>
+            </a:r>
+            <a:r>
+              <a:rPr lang="en-US" altLang="zh-CN" dirty="0" err="1"/>
+              <a:t>tmp</a:t>
+            </a:r>
+            <a:r>
+              <a:rPr lang="en-US" altLang="zh-CN" dirty="0"/>
+              <a:t>/</a:t>
+            </a:r>
+            <a:r>
+              <a:rPr lang="en-US" altLang="zh-CN" dirty="0" err="1"/>
+              <a:t>etcd_backup</a:t>
+            </a:r>
+            <a:r>
+              <a:rPr lang="en-US" altLang="zh-CN" dirty="0"/>
+              <a:t> </a:t>
+            </a:r>
+            <a:r>
+              <a:rPr lang="en-US" altLang="zh-CN" dirty="0" smtClean="0"/>
+              <a:t>-force-new-cluster</a:t>
+            </a:r>
             <a:endParaRPr lang="en-US" altLang="zh-CN" dirty="0"/>
           </a:p>
           <a:p>
-            <a:r>
-              <a:rPr lang="en-US" altLang="zh-CN" dirty="0" smtClean="0"/>
-              <a:t>CURL</a:t>
-            </a:r>
-            <a:r>
-              <a:rPr lang="zh-CN" altLang="en-US" dirty="0" smtClean="0"/>
-              <a:t>：</a:t>
-            </a:r>
-            <a:endParaRPr lang="zh-CN" altLang="en-US" dirty="0"/>
+            <a:pPr marL="0" indent="0">
+              <a:buNone/>
+            </a:pPr>
+            <a:r>
+              <a:rPr lang="en-US" altLang="zh-CN" dirty="0"/>
+              <a:t>	</a:t>
+            </a:r>
+            <a:r>
+              <a:rPr lang="zh-CN" altLang="en-US" dirty="0" smtClean="0"/>
+              <a:t>根据数据文件建立新的集群</a:t>
+            </a:r>
+            <a:endParaRPr lang="en-US" altLang="zh-CN" dirty="0" smtClean="0"/>
+          </a:p>
+          <a:p>
+            <a:r>
+              <a:rPr lang="en-US" altLang="zh-CN" dirty="0" smtClean="0"/>
+              <a:t>3</a:t>
+            </a:r>
+            <a:r>
+              <a:rPr lang="en-US" altLang="zh-CN" dirty="0"/>
+              <a:t>. </a:t>
+            </a:r>
+            <a:r>
+              <a:rPr lang="en-US" altLang="zh-CN" dirty="0" err="1"/>
+              <a:t>pkill</a:t>
+            </a:r>
+            <a:r>
+              <a:rPr lang="en-US" altLang="zh-CN" dirty="0"/>
+              <a:t> </a:t>
+            </a:r>
+            <a:r>
+              <a:rPr lang="en-US" altLang="zh-CN" dirty="0" err="1"/>
+              <a:t>etcd</a:t>
+            </a:r>
+            <a:r>
+              <a:rPr lang="en-US" altLang="zh-CN" dirty="0"/>
+              <a:t> </a:t>
+            </a:r>
+            <a:r>
+              <a:rPr lang="en-US" altLang="zh-CN" dirty="0" err="1"/>
+              <a:t>rm</a:t>
+            </a:r>
+            <a:r>
+              <a:rPr lang="en-US" altLang="zh-CN" dirty="0"/>
+              <a:t> -</a:t>
+            </a:r>
+            <a:r>
+              <a:rPr lang="en-US" altLang="zh-CN" dirty="0" err="1"/>
+              <a:t>fr</a:t>
+            </a:r>
+            <a:r>
+              <a:rPr lang="en-US" altLang="zh-CN" dirty="0"/>
+              <a:t> /</a:t>
+            </a:r>
+            <a:r>
+              <a:rPr lang="en-US" altLang="zh-CN" dirty="0" err="1"/>
+              <a:t>var</a:t>
+            </a:r>
+            <a:r>
+              <a:rPr lang="en-US" altLang="zh-CN" dirty="0"/>
+              <a:t>/lib/</a:t>
+            </a:r>
+            <a:r>
+              <a:rPr lang="en-US" altLang="zh-CN" dirty="0" err="1"/>
+              <a:t>etcd</a:t>
+            </a:r>
+            <a:r>
+              <a:rPr lang="en-US" altLang="zh-CN" dirty="0"/>
+              <a:t> mv /</a:t>
+            </a:r>
+            <a:r>
+              <a:rPr lang="en-US" altLang="zh-CN" dirty="0" err="1"/>
+              <a:t>tmp</a:t>
+            </a:r>
+            <a:r>
+              <a:rPr lang="en-US" altLang="zh-CN" dirty="0"/>
+              <a:t>/</a:t>
+            </a:r>
+            <a:r>
+              <a:rPr lang="en-US" altLang="zh-CN" dirty="0" err="1"/>
+              <a:t>etcd_backup</a:t>
+            </a:r>
+            <a:r>
+              <a:rPr lang="en-US" altLang="zh-CN" dirty="0"/>
+              <a:t> /</a:t>
+            </a:r>
+            <a:r>
+              <a:rPr lang="en-US" altLang="zh-CN" dirty="0" err="1"/>
+              <a:t>var</a:t>
+            </a:r>
+            <a:r>
+              <a:rPr lang="en-US" altLang="zh-CN" dirty="0"/>
+              <a:t>/lib/</a:t>
+            </a:r>
+            <a:r>
+              <a:rPr lang="en-US" altLang="zh-CN" dirty="0" err="1"/>
+              <a:t>etcd</a:t>
+            </a:r>
+            <a:r>
+              <a:rPr lang="en-US" altLang="zh-CN" dirty="0"/>
+              <a:t> </a:t>
+            </a:r>
+            <a:r>
+              <a:rPr lang="en-US" altLang="zh-CN" dirty="0" err="1"/>
+              <a:t>etcd</a:t>
+            </a:r>
+            <a:r>
+              <a:rPr lang="en-US" altLang="zh-CN" dirty="0"/>
+              <a:t> </a:t>
+            </a:r>
+            <a:r>
+              <a:rPr lang="en-US" altLang="zh-CN" dirty="0" smtClean="0"/>
+              <a:t>-data-</a:t>
+            </a:r>
+            <a:r>
+              <a:rPr lang="en-US" altLang="zh-CN" dirty="0" err="1" smtClean="0"/>
+              <a:t>dir</a:t>
+            </a:r>
+            <a:r>
+              <a:rPr lang="en-US" altLang="zh-CN" b="1" dirty="0"/>
+              <a:t>=</a:t>
+            </a:r>
+            <a:r>
+              <a:rPr lang="en-US" altLang="zh-CN" dirty="0"/>
+              <a:t>/</a:t>
+            </a:r>
+            <a:r>
+              <a:rPr lang="en-US" altLang="zh-CN" dirty="0" err="1"/>
+              <a:t>var</a:t>
+            </a:r>
+            <a:r>
+              <a:rPr lang="en-US" altLang="zh-CN" dirty="0"/>
+              <a:t>/lib/</a:t>
+            </a:r>
+            <a:r>
+              <a:rPr lang="en-US" altLang="zh-CN" dirty="0" err="1"/>
+              <a:t>etcd</a:t>
+            </a:r>
+            <a:r>
+              <a:rPr lang="en-US" altLang="zh-CN" dirty="0"/>
+              <a:t> </a:t>
+            </a:r>
+          </a:p>
+          <a:p>
+            <a:pPr marL="0" indent="0">
+              <a:buNone/>
+            </a:pPr>
+            <a:r>
+              <a:rPr lang="en-US" altLang="zh-CN" dirty="0" smtClean="0"/>
+              <a:t>	</a:t>
+            </a:r>
+            <a:r>
+              <a:rPr lang="zh-CN" altLang="en-US" dirty="0" smtClean="0"/>
+              <a:t>覆盖原来的文件</a:t>
+            </a:r>
+            <a:endParaRPr lang="en-US" altLang="zh-CN" dirty="0" smtClean="0"/>
+          </a:p>
+          <a:p>
+            <a:r>
+              <a:rPr lang="en-US" altLang="zh-CN" dirty="0" smtClean="0"/>
+              <a:t>4. </a:t>
+            </a:r>
+            <a:r>
+              <a:rPr lang="en-US" altLang="zh-CN" dirty="0" err="1" smtClean="0"/>
+              <a:t>etcdctl</a:t>
+            </a:r>
+            <a:r>
+              <a:rPr lang="en-US" altLang="zh-CN" dirty="0" smtClean="0"/>
+              <a:t> member add</a:t>
+            </a:r>
+          </a:p>
+          <a:p>
+            <a:pPr marL="0" indent="0">
+              <a:buNone/>
+            </a:pPr>
+            <a:r>
+              <a:rPr lang="en-US" altLang="zh-CN" dirty="0"/>
+              <a:t>	</a:t>
+            </a:r>
+            <a:r>
+              <a:rPr lang="zh-CN" altLang="en-US" dirty="0" smtClean="0"/>
+              <a:t>动态增加节点</a:t>
+            </a:r>
+            <a:endParaRPr lang="en-US" altLang="zh-CN" dirty="0" smtClean="0"/>
+          </a:p>
+          <a:p>
+            <a:pPr marL="914400" lvl="2" indent="0">
+              <a:buNone/>
+            </a:pPr>
+            <a:endParaRPr lang="en-US" altLang="zh-CN" dirty="0"/>
           </a:p>
         </p:txBody>
       </p:sp>
     </p:spTree>
     <p:extLst>
       <p:ext uri="{BB962C8B-B14F-4D97-AF65-F5344CB8AC3E}">
-        <p14:creationId xmlns:p14="http://schemas.microsoft.com/office/powerpoint/2010/main" val="3214575600"/>
+        <p14:creationId xmlns:p14="http://schemas.microsoft.com/office/powerpoint/2010/main" val="475448405"/>
       </p:ext>
     </p:extLst>
   </p:cSld>
   <p:clrMapOvr>
     <a:masterClrMapping/>
   </p:clrMapOvr>
-  <p:timing>
-    <p:tnLst>
-      <p:par>
-        <p:cTn id="1" dur="indefinite" restart="never" nodeType="tmRoot"/>
-      </p:par>
-    </p:tnLst>
-  </p:timing>
 </p:sld>
 </file>
 
 <file path=ppt/slides/slide43.xml><?xml version="1.0" encoding="utf-8"?>
+<p:sld xmlns:a="http://schemas.openxmlformats.org/drawingml/2006/main" xmlns:r="http://schemas.openxmlformats.org/officeDocument/2006/relationships" xmlns:p="http://schemas.openxmlformats.org/presentationml/2006/main">
+  <p:cSld>
+    <p:spTree>
+      <p:nvGrpSpPr>
+        <p:cNvPr id="1" name=""/>
+        <p:cNvGrpSpPr/>
+        <p:nvPr/>
+      </p:nvGrpSpPr>
+      <p:grpSpPr>
+        <a:xfrm>
+          <a:off x="0" y="0"/>
+          <a:ext cx="0" cy="0"/>
+          <a:chOff x="0" y="0"/>
+          <a:chExt cx="0" cy="0"/>
+        </a:xfrm>
+      </p:grpSpPr>
+      <p:sp>
+        <p:nvSpPr>
+          <p:cNvPr id="2" name="标题 1"/>
+          <p:cNvSpPr>
+            <a:spLocks noGrp="1"/>
+          </p:cNvSpPr>
+          <p:nvPr>
+            <p:ph type="title"/>
+          </p:nvPr>
+        </p:nvSpPr>
+        <p:spPr/>
+        <p:txBody>
+          <a:bodyPr/>
+          <a:lstStyle/>
+          <a:p>
+            <a:r>
+              <a:rPr lang="en-US" altLang="zh-CN" dirty="0" smtClean="0"/>
+              <a:t>ETCD</a:t>
+            </a:r>
+            <a:r>
+              <a:rPr lang="zh-CN" altLang="en-US" dirty="0" smtClean="0"/>
+              <a:t>调优</a:t>
+            </a:r>
+            <a:endParaRPr lang="zh-CN" altLang="en-US" dirty="0"/>
+          </a:p>
+        </p:txBody>
+      </p:sp>
+      <p:sp>
+        <p:nvSpPr>
+          <p:cNvPr id="3" name="内容占位符 2"/>
+          <p:cNvSpPr>
+            <a:spLocks noGrp="1"/>
+          </p:cNvSpPr>
+          <p:nvPr>
+            <p:ph sz="quarter" idx="13"/>
+          </p:nvPr>
+        </p:nvSpPr>
+        <p:spPr/>
+        <p:txBody>
+          <a:bodyPr/>
+          <a:lstStyle/>
+          <a:p>
+            <a:r>
+              <a:rPr lang="zh-CN" altLang="en-US" dirty="0" smtClean="0"/>
+              <a:t>心跳间隔：</a:t>
+            </a:r>
+            <a:r>
+              <a:rPr lang="en-US" altLang="zh-CN" dirty="0" smtClean="0"/>
+              <a:t>leader</a:t>
+            </a:r>
+            <a:r>
+              <a:rPr lang="zh-CN" altLang="en-US" dirty="0" smtClean="0"/>
+              <a:t>压制</a:t>
+            </a:r>
+            <a:r>
+              <a:rPr lang="en-US" altLang="zh-CN" dirty="0" smtClean="0"/>
+              <a:t>follower</a:t>
+            </a:r>
+            <a:r>
+              <a:rPr lang="zh-CN" altLang="en-US" dirty="0" smtClean="0"/>
+              <a:t>变成</a:t>
+            </a:r>
+            <a:r>
+              <a:rPr lang="en-US" altLang="zh-CN" dirty="0" smtClean="0"/>
+              <a:t>candidate</a:t>
+            </a:r>
+            <a:r>
+              <a:rPr lang="zh-CN" altLang="en-US" dirty="0" smtClean="0"/>
+              <a:t>，</a:t>
+            </a:r>
+            <a:r>
+              <a:rPr lang="en-US" altLang="zh-CN" dirty="0" err="1" smtClean="0"/>
+              <a:t>etcd</a:t>
+            </a:r>
+            <a:r>
+              <a:rPr lang="zh-CN" altLang="en-US" dirty="0" smtClean="0"/>
+              <a:t>， </a:t>
+            </a:r>
+            <a:r>
+              <a:rPr lang="en-US" altLang="zh-CN" dirty="0" smtClean="0"/>
+              <a:t>sync</a:t>
+            </a:r>
+            <a:r>
+              <a:rPr lang="zh-CN" altLang="en-US" dirty="0" smtClean="0"/>
+              <a:t>最长</a:t>
+            </a:r>
+            <a:r>
+              <a:rPr lang="en-US" altLang="zh-CN" smtClean="0"/>
+              <a:t>1s</a:t>
+            </a:r>
+            <a:endParaRPr lang="en-US" altLang="zh-CN" dirty="0" smtClean="0"/>
+          </a:p>
+          <a:p>
+            <a:endParaRPr lang="en-US" altLang="zh-CN" dirty="0"/>
+          </a:p>
+          <a:p>
+            <a:r>
+              <a:rPr lang="zh-CN" altLang="en-US" dirty="0" smtClean="0"/>
+              <a:t>选举超时：</a:t>
+            </a:r>
+            <a:endParaRPr lang="en-US" altLang="zh-CN" dirty="0" smtClean="0"/>
+          </a:p>
+          <a:p>
+            <a:endParaRPr lang="en-US" altLang="zh-CN" dirty="0"/>
+          </a:p>
+          <a:p>
+            <a:r>
+              <a:rPr lang="zh-CN" altLang="en-US" dirty="0" smtClean="0"/>
+              <a:t>快照触发条件：</a:t>
+            </a:r>
+            <a:endParaRPr lang="en-US" altLang="zh-CN" dirty="0" smtClean="0"/>
+          </a:p>
+          <a:p>
+            <a:endParaRPr lang="zh-CN" altLang="en-US" dirty="0"/>
+          </a:p>
+        </p:txBody>
+      </p:sp>
+    </p:spTree>
+    <p:extLst>
+      <p:ext uri="{BB962C8B-B14F-4D97-AF65-F5344CB8AC3E}">
+        <p14:creationId xmlns:p14="http://schemas.microsoft.com/office/powerpoint/2010/main" val="2423374417"/>
+      </p:ext>
+    </p:extLst>
+  </p:cSld>
+  <p:clrMapOvr>
+    <a:masterClrMapping/>
+  </p:clrMapOvr>
+</p:sld>
+</file>
+
+<file path=ppt/slides/slide44.xml><?xml version="1.0" encoding="utf-8"?>
 <p:sld xmlns:a="http://schemas.openxmlformats.org/drawingml/2006/main" xmlns:r="http://schemas.openxmlformats.org/officeDocument/2006/relationships" xmlns:p="http://schemas.openxmlformats.org/presentationml/2006/main">
   <p:cSld>
     <p:spTree>
